--- a/Dates-Map.pptx
+++ b/Dates-Map.pptx
@@ -5,8 +5,7 @@
     <p:sldMasterId id="2147483648" r:id="rId1"/>
   </p:sldMasterIdLst>
   <p:sldIdLst>
-    <p:sldId id="256" r:id="rId2"/>
-    <p:sldId id="257" r:id="rId3"/>
+    <p:sldId id="257" r:id="rId2"/>
   </p:sldIdLst>
   <p:sldSz cx="12192000" cy="6858000"/>
   <p:notesSz cx="6858000" cy="9144000"/>
@@ -260,7 +259,7 @@
           <a:p>
             <a:fld id="{ADBB087F-FCD5-4FD6-813D-50A7DEA3ADAE}" type="datetimeFigureOut">
               <a:rPr lang="en-US" smtClean="0"/>
-              <a:t>5/22/2024</a:t>
+              <a:t>5/23/2024</a:t>
             </a:fld>
             <a:endParaRPr lang="en-US"/>
           </a:p>
@@ -458,7 +457,7 @@
           <a:p>
             <a:fld id="{ADBB087F-FCD5-4FD6-813D-50A7DEA3ADAE}" type="datetimeFigureOut">
               <a:rPr lang="en-US" smtClean="0"/>
-              <a:t>5/22/2024</a:t>
+              <a:t>5/23/2024</a:t>
             </a:fld>
             <a:endParaRPr lang="en-US"/>
           </a:p>
@@ -666,7 +665,7 @@
           <a:p>
             <a:fld id="{ADBB087F-FCD5-4FD6-813D-50A7DEA3ADAE}" type="datetimeFigureOut">
               <a:rPr lang="en-US" smtClean="0"/>
-              <a:t>5/22/2024</a:t>
+              <a:t>5/23/2024</a:t>
             </a:fld>
             <a:endParaRPr lang="en-US"/>
           </a:p>
@@ -864,7 +863,7 @@
           <a:p>
             <a:fld id="{ADBB087F-FCD5-4FD6-813D-50A7DEA3ADAE}" type="datetimeFigureOut">
               <a:rPr lang="en-US" smtClean="0"/>
-              <a:t>5/22/2024</a:t>
+              <a:t>5/23/2024</a:t>
             </a:fld>
             <a:endParaRPr lang="en-US"/>
           </a:p>
@@ -1139,7 +1138,7 @@
           <a:p>
             <a:fld id="{ADBB087F-FCD5-4FD6-813D-50A7DEA3ADAE}" type="datetimeFigureOut">
               <a:rPr lang="en-US" smtClean="0"/>
-              <a:t>5/22/2024</a:t>
+              <a:t>5/23/2024</a:t>
             </a:fld>
             <a:endParaRPr lang="en-US"/>
           </a:p>
@@ -1404,7 +1403,7 @@
           <a:p>
             <a:fld id="{ADBB087F-FCD5-4FD6-813D-50A7DEA3ADAE}" type="datetimeFigureOut">
               <a:rPr lang="en-US" smtClean="0"/>
-              <a:t>5/22/2024</a:t>
+              <a:t>5/23/2024</a:t>
             </a:fld>
             <a:endParaRPr lang="en-US"/>
           </a:p>
@@ -1816,7 +1815,7 @@
           <a:p>
             <a:fld id="{ADBB087F-FCD5-4FD6-813D-50A7DEA3ADAE}" type="datetimeFigureOut">
               <a:rPr lang="en-US" smtClean="0"/>
-              <a:t>5/22/2024</a:t>
+              <a:t>5/23/2024</a:t>
             </a:fld>
             <a:endParaRPr lang="en-US"/>
           </a:p>
@@ -1957,7 +1956,7 @@
           <a:p>
             <a:fld id="{ADBB087F-FCD5-4FD6-813D-50A7DEA3ADAE}" type="datetimeFigureOut">
               <a:rPr lang="en-US" smtClean="0"/>
-              <a:t>5/22/2024</a:t>
+              <a:t>5/23/2024</a:t>
             </a:fld>
             <a:endParaRPr lang="en-US"/>
           </a:p>
@@ -2070,7 +2069,7 @@
           <a:p>
             <a:fld id="{ADBB087F-FCD5-4FD6-813D-50A7DEA3ADAE}" type="datetimeFigureOut">
               <a:rPr lang="en-US" smtClean="0"/>
-              <a:t>5/22/2024</a:t>
+              <a:t>5/23/2024</a:t>
             </a:fld>
             <a:endParaRPr lang="en-US"/>
           </a:p>
@@ -2381,7 +2380,7 @@
           <a:p>
             <a:fld id="{ADBB087F-FCD5-4FD6-813D-50A7DEA3ADAE}" type="datetimeFigureOut">
               <a:rPr lang="en-US" smtClean="0"/>
-              <a:t>5/22/2024</a:t>
+              <a:t>5/23/2024</a:t>
             </a:fld>
             <a:endParaRPr lang="en-US"/>
           </a:p>
@@ -2669,7 +2668,7 @@
           <a:p>
             <a:fld id="{ADBB087F-FCD5-4FD6-813D-50A7DEA3ADAE}" type="datetimeFigureOut">
               <a:rPr lang="en-US" smtClean="0"/>
-              <a:t>5/22/2024</a:t>
+              <a:t>5/23/2024</a:t>
             </a:fld>
             <a:endParaRPr lang="en-US"/>
           </a:p>
@@ -2910,7 +2909,7 @@
           <a:p>
             <a:fld id="{ADBB087F-FCD5-4FD6-813D-50A7DEA3ADAE}" type="datetimeFigureOut">
               <a:rPr lang="en-US" smtClean="0"/>
-              <a:t>5/22/2024</a:t>
+              <a:t>5/23/2024</a:t>
             </a:fld>
             <a:endParaRPr lang="en-US"/>
           </a:p>
@@ -3311,1783 +3310,6 @@
 </file>
 
 <file path=ppt/slides/slide1.xml><?xml version="1.0" encoding="utf-8"?>
-<p:sld xmlns:a="http://schemas.openxmlformats.org/drawingml/2006/main" xmlns:r="http://schemas.openxmlformats.org/officeDocument/2006/relationships" xmlns:p="http://schemas.openxmlformats.org/presentationml/2006/main">
-  <p:cSld>
-    <p:spTree>
-      <p:nvGrpSpPr>
-        <p:cNvPr id="1" name=""/>
-        <p:cNvGrpSpPr/>
-        <p:nvPr/>
-      </p:nvGrpSpPr>
-      <p:grpSpPr>
-        <a:xfrm>
-          <a:off x="0" y="0"/>
-          <a:ext cx="0" cy="0"/>
-          <a:chOff x="0" y="0"/>
-          <a:chExt cx="0" cy="0"/>
-        </a:xfrm>
-      </p:grpSpPr>
-      <p:pic>
-        <p:nvPicPr>
-          <p:cNvPr id="5" name="Picture 4">
-            <a:extLst>
-              <a:ext uri="{FF2B5EF4-FFF2-40B4-BE49-F238E27FC236}">
-                <a16:creationId xmlns:a16="http://schemas.microsoft.com/office/drawing/2014/main" id="{0324ED0F-7ABE-57A0-7D58-FA8E5A7A1E3C}"/>
-              </a:ext>
-            </a:extLst>
-          </p:cNvPr>
-          <p:cNvPicPr>
-            <a:picLocks noChangeAspect="1"/>
-          </p:cNvPicPr>
-          <p:nvPr/>
-        </p:nvPicPr>
-        <p:blipFill>
-          <a:blip r:embed="rId2"/>
-          <a:stretch>
-            <a:fillRect/>
-          </a:stretch>
-        </p:blipFill>
-        <p:spPr>
-          <a:xfrm>
-            <a:off x="231885" y="1818968"/>
-            <a:ext cx="11728229" cy="2523285"/>
-          </a:xfrm>
-          <a:prstGeom prst="rect">
-            <a:avLst/>
-          </a:prstGeom>
-        </p:spPr>
-      </p:pic>
-      <p:cxnSp>
-        <p:nvCxnSpPr>
-          <p:cNvPr id="7" name="Straight Connector 6">
-            <a:extLst>
-              <a:ext uri="{FF2B5EF4-FFF2-40B4-BE49-F238E27FC236}">
-                <a16:creationId xmlns:a16="http://schemas.microsoft.com/office/drawing/2014/main" id="{211F23B8-60F9-3C7F-6EC3-0BE86E5572B7}"/>
-              </a:ext>
-            </a:extLst>
-          </p:cNvPr>
-          <p:cNvCxnSpPr/>
-          <p:nvPr/>
-        </p:nvCxnSpPr>
-        <p:spPr>
-          <a:xfrm flipV="1">
-            <a:off x="4455160" y="2898140"/>
-            <a:ext cx="99060" cy="96520"/>
-          </a:xfrm>
-          <a:prstGeom prst="line">
-            <a:avLst/>
-          </a:prstGeom>
-          <a:ln>
-            <a:solidFill>
-              <a:srgbClr val="FF0000"/>
-            </a:solidFill>
-          </a:ln>
-        </p:spPr>
-        <p:style>
-          <a:lnRef idx="1">
-            <a:schemeClr val="accent1"/>
-          </a:lnRef>
-          <a:fillRef idx="0">
-            <a:schemeClr val="accent1"/>
-          </a:fillRef>
-          <a:effectRef idx="0">
-            <a:schemeClr val="accent1"/>
-          </a:effectRef>
-          <a:fontRef idx="minor">
-            <a:schemeClr val="tx1"/>
-          </a:fontRef>
-        </p:style>
-      </p:cxnSp>
-      <p:cxnSp>
-        <p:nvCxnSpPr>
-          <p:cNvPr id="8" name="Straight Connector 7">
-            <a:extLst>
-              <a:ext uri="{FF2B5EF4-FFF2-40B4-BE49-F238E27FC236}">
-                <a16:creationId xmlns:a16="http://schemas.microsoft.com/office/drawing/2014/main" id="{FCD4CEA4-4C8D-C14A-F833-FF0D2D2625B0}"/>
-              </a:ext>
-            </a:extLst>
-          </p:cNvPr>
-          <p:cNvCxnSpPr>
-            <a:cxnSpLocks/>
-          </p:cNvCxnSpPr>
-          <p:nvPr/>
-        </p:nvCxnSpPr>
-        <p:spPr>
-          <a:xfrm flipH="1" flipV="1">
-            <a:off x="4446270" y="2898140"/>
-            <a:ext cx="107950" cy="96520"/>
-          </a:xfrm>
-          <a:prstGeom prst="line">
-            <a:avLst/>
-          </a:prstGeom>
-          <a:ln>
-            <a:solidFill>
-              <a:srgbClr val="FF0000"/>
-            </a:solidFill>
-          </a:ln>
-        </p:spPr>
-        <p:style>
-          <a:lnRef idx="1">
-            <a:schemeClr val="accent1"/>
-          </a:lnRef>
-          <a:fillRef idx="0">
-            <a:schemeClr val="accent1"/>
-          </a:fillRef>
-          <a:effectRef idx="0">
-            <a:schemeClr val="accent1"/>
-          </a:effectRef>
-          <a:fontRef idx="minor">
-            <a:schemeClr val="tx1"/>
-          </a:fontRef>
-        </p:style>
-      </p:cxnSp>
-      <p:cxnSp>
-        <p:nvCxnSpPr>
-          <p:cNvPr id="12" name="Straight Connector 11">
-            <a:extLst>
-              <a:ext uri="{FF2B5EF4-FFF2-40B4-BE49-F238E27FC236}">
-                <a16:creationId xmlns:a16="http://schemas.microsoft.com/office/drawing/2014/main" id="{BD114C0D-C2EC-974F-8DC6-98A3C8E81574}"/>
-              </a:ext>
-            </a:extLst>
-          </p:cNvPr>
-          <p:cNvCxnSpPr/>
-          <p:nvPr/>
-        </p:nvCxnSpPr>
-        <p:spPr>
-          <a:xfrm flipV="1">
-            <a:off x="4455160" y="3055620"/>
-            <a:ext cx="99060" cy="96520"/>
-          </a:xfrm>
-          <a:prstGeom prst="line">
-            <a:avLst/>
-          </a:prstGeom>
-          <a:ln>
-            <a:solidFill>
-              <a:srgbClr val="FF0000"/>
-            </a:solidFill>
-          </a:ln>
-        </p:spPr>
-        <p:style>
-          <a:lnRef idx="1">
-            <a:schemeClr val="accent1"/>
-          </a:lnRef>
-          <a:fillRef idx="0">
-            <a:schemeClr val="accent1"/>
-          </a:fillRef>
-          <a:effectRef idx="0">
-            <a:schemeClr val="accent1"/>
-          </a:effectRef>
-          <a:fontRef idx="minor">
-            <a:schemeClr val="tx1"/>
-          </a:fontRef>
-        </p:style>
-      </p:cxnSp>
-      <p:cxnSp>
-        <p:nvCxnSpPr>
-          <p:cNvPr id="13" name="Straight Connector 12">
-            <a:extLst>
-              <a:ext uri="{FF2B5EF4-FFF2-40B4-BE49-F238E27FC236}">
-                <a16:creationId xmlns:a16="http://schemas.microsoft.com/office/drawing/2014/main" id="{5B5193EA-C66D-D7C2-0EBB-445DB3E064FE}"/>
-              </a:ext>
-            </a:extLst>
-          </p:cNvPr>
-          <p:cNvCxnSpPr>
-            <a:cxnSpLocks/>
-          </p:cNvCxnSpPr>
-          <p:nvPr/>
-        </p:nvCxnSpPr>
-        <p:spPr>
-          <a:xfrm flipH="1" flipV="1">
-            <a:off x="4446270" y="3055620"/>
-            <a:ext cx="107950" cy="96520"/>
-          </a:xfrm>
-          <a:prstGeom prst="line">
-            <a:avLst/>
-          </a:prstGeom>
-          <a:ln>
-            <a:solidFill>
-              <a:srgbClr val="FF0000"/>
-            </a:solidFill>
-          </a:ln>
-        </p:spPr>
-        <p:style>
-          <a:lnRef idx="1">
-            <a:schemeClr val="accent1"/>
-          </a:lnRef>
-          <a:fillRef idx="0">
-            <a:schemeClr val="accent1"/>
-          </a:fillRef>
-          <a:effectRef idx="0">
-            <a:schemeClr val="accent1"/>
-          </a:effectRef>
-          <a:fontRef idx="minor">
-            <a:schemeClr val="tx1"/>
-          </a:fontRef>
-        </p:style>
-      </p:cxnSp>
-      <p:cxnSp>
-        <p:nvCxnSpPr>
-          <p:cNvPr id="14" name="Straight Connector 13">
-            <a:extLst>
-              <a:ext uri="{FF2B5EF4-FFF2-40B4-BE49-F238E27FC236}">
-                <a16:creationId xmlns:a16="http://schemas.microsoft.com/office/drawing/2014/main" id="{A7965362-02E0-277D-894B-57B55DD48EDF}"/>
-              </a:ext>
-            </a:extLst>
-          </p:cNvPr>
-          <p:cNvCxnSpPr/>
-          <p:nvPr/>
-        </p:nvCxnSpPr>
-        <p:spPr>
-          <a:xfrm flipV="1">
-            <a:off x="4464050" y="3213100"/>
-            <a:ext cx="99060" cy="96520"/>
-          </a:xfrm>
-          <a:prstGeom prst="line">
-            <a:avLst/>
-          </a:prstGeom>
-          <a:ln>
-            <a:solidFill>
-              <a:srgbClr val="FF0000"/>
-            </a:solidFill>
-          </a:ln>
-        </p:spPr>
-        <p:style>
-          <a:lnRef idx="1">
-            <a:schemeClr val="accent1"/>
-          </a:lnRef>
-          <a:fillRef idx="0">
-            <a:schemeClr val="accent1"/>
-          </a:fillRef>
-          <a:effectRef idx="0">
-            <a:schemeClr val="accent1"/>
-          </a:effectRef>
-          <a:fontRef idx="minor">
-            <a:schemeClr val="tx1"/>
-          </a:fontRef>
-        </p:style>
-      </p:cxnSp>
-      <p:cxnSp>
-        <p:nvCxnSpPr>
-          <p:cNvPr id="15" name="Straight Connector 14">
-            <a:extLst>
-              <a:ext uri="{FF2B5EF4-FFF2-40B4-BE49-F238E27FC236}">
-                <a16:creationId xmlns:a16="http://schemas.microsoft.com/office/drawing/2014/main" id="{D7E10B04-209F-34F1-4C13-72D4A3A16E7B}"/>
-              </a:ext>
-            </a:extLst>
-          </p:cNvPr>
-          <p:cNvCxnSpPr>
-            <a:cxnSpLocks/>
-          </p:cNvCxnSpPr>
-          <p:nvPr/>
-        </p:nvCxnSpPr>
-        <p:spPr>
-          <a:xfrm flipH="1" flipV="1">
-            <a:off x="4455160" y="3213100"/>
-            <a:ext cx="107950" cy="96520"/>
-          </a:xfrm>
-          <a:prstGeom prst="line">
-            <a:avLst/>
-          </a:prstGeom>
-          <a:ln>
-            <a:solidFill>
-              <a:srgbClr val="FF0000"/>
-            </a:solidFill>
-          </a:ln>
-        </p:spPr>
-        <p:style>
-          <a:lnRef idx="1">
-            <a:schemeClr val="accent1"/>
-          </a:lnRef>
-          <a:fillRef idx="0">
-            <a:schemeClr val="accent1"/>
-          </a:fillRef>
-          <a:effectRef idx="0">
-            <a:schemeClr val="accent1"/>
-          </a:effectRef>
-          <a:fontRef idx="minor">
-            <a:schemeClr val="tx1"/>
-          </a:fontRef>
-        </p:style>
-      </p:cxnSp>
-      <p:cxnSp>
-        <p:nvCxnSpPr>
-          <p:cNvPr id="16" name="Straight Connector 15">
-            <a:extLst>
-              <a:ext uri="{FF2B5EF4-FFF2-40B4-BE49-F238E27FC236}">
-                <a16:creationId xmlns:a16="http://schemas.microsoft.com/office/drawing/2014/main" id="{7C08695A-82FF-9EB5-764A-4B95C75BB4DD}"/>
-              </a:ext>
-            </a:extLst>
-          </p:cNvPr>
-          <p:cNvCxnSpPr/>
-          <p:nvPr/>
-        </p:nvCxnSpPr>
-        <p:spPr>
-          <a:xfrm flipV="1">
-            <a:off x="4455160" y="3370580"/>
-            <a:ext cx="99060" cy="96520"/>
-          </a:xfrm>
-          <a:prstGeom prst="line">
-            <a:avLst/>
-          </a:prstGeom>
-          <a:ln>
-            <a:solidFill>
-              <a:srgbClr val="FF0000"/>
-            </a:solidFill>
-          </a:ln>
-        </p:spPr>
-        <p:style>
-          <a:lnRef idx="1">
-            <a:schemeClr val="accent1"/>
-          </a:lnRef>
-          <a:fillRef idx="0">
-            <a:schemeClr val="accent1"/>
-          </a:fillRef>
-          <a:effectRef idx="0">
-            <a:schemeClr val="accent1"/>
-          </a:effectRef>
-          <a:fontRef idx="minor">
-            <a:schemeClr val="tx1"/>
-          </a:fontRef>
-        </p:style>
-      </p:cxnSp>
-      <p:cxnSp>
-        <p:nvCxnSpPr>
-          <p:cNvPr id="17" name="Straight Connector 16">
-            <a:extLst>
-              <a:ext uri="{FF2B5EF4-FFF2-40B4-BE49-F238E27FC236}">
-                <a16:creationId xmlns:a16="http://schemas.microsoft.com/office/drawing/2014/main" id="{E3ACC8D5-49AD-2A13-C5B3-889059244471}"/>
-              </a:ext>
-            </a:extLst>
-          </p:cNvPr>
-          <p:cNvCxnSpPr>
-            <a:cxnSpLocks/>
-          </p:cNvCxnSpPr>
-          <p:nvPr/>
-        </p:nvCxnSpPr>
-        <p:spPr>
-          <a:xfrm flipH="1" flipV="1">
-            <a:off x="4446270" y="3370580"/>
-            <a:ext cx="107950" cy="96520"/>
-          </a:xfrm>
-          <a:prstGeom prst="line">
-            <a:avLst/>
-          </a:prstGeom>
-          <a:ln>
-            <a:solidFill>
-              <a:srgbClr val="FF0000"/>
-            </a:solidFill>
-          </a:ln>
-        </p:spPr>
-        <p:style>
-          <a:lnRef idx="1">
-            <a:schemeClr val="accent1"/>
-          </a:lnRef>
-          <a:fillRef idx="0">
-            <a:schemeClr val="accent1"/>
-          </a:fillRef>
-          <a:effectRef idx="0">
-            <a:schemeClr val="accent1"/>
-          </a:effectRef>
-          <a:fontRef idx="minor">
-            <a:schemeClr val="tx1"/>
-          </a:fontRef>
-        </p:style>
-      </p:cxnSp>
-      <p:cxnSp>
-        <p:nvCxnSpPr>
-          <p:cNvPr id="18" name="Straight Connector 17">
-            <a:extLst>
-              <a:ext uri="{FF2B5EF4-FFF2-40B4-BE49-F238E27FC236}">
-                <a16:creationId xmlns:a16="http://schemas.microsoft.com/office/drawing/2014/main" id="{C4AA9FE2-E0ED-CF84-6821-0B9CABF9EC2D}"/>
-              </a:ext>
-            </a:extLst>
-          </p:cNvPr>
-          <p:cNvCxnSpPr/>
-          <p:nvPr/>
-        </p:nvCxnSpPr>
-        <p:spPr>
-          <a:xfrm flipV="1">
-            <a:off x="4455160" y="3541456"/>
-            <a:ext cx="99060" cy="96520"/>
-          </a:xfrm>
-          <a:prstGeom prst="line">
-            <a:avLst/>
-          </a:prstGeom>
-          <a:ln>
-            <a:solidFill>
-              <a:srgbClr val="FF0000"/>
-            </a:solidFill>
-          </a:ln>
-        </p:spPr>
-        <p:style>
-          <a:lnRef idx="1">
-            <a:schemeClr val="accent1"/>
-          </a:lnRef>
-          <a:fillRef idx="0">
-            <a:schemeClr val="accent1"/>
-          </a:fillRef>
-          <a:effectRef idx="0">
-            <a:schemeClr val="accent1"/>
-          </a:effectRef>
-          <a:fontRef idx="minor">
-            <a:schemeClr val="tx1"/>
-          </a:fontRef>
-        </p:style>
-      </p:cxnSp>
-      <p:cxnSp>
-        <p:nvCxnSpPr>
-          <p:cNvPr id="19" name="Straight Connector 18">
-            <a:extLst>
-              <a:ext uri="{FF2B5EF4-FFF2-40B4-BE49-F238E27FC236}">
-                <a16:creationId xmlns:a16="http://schemas.microsoft.com/office/drawing/2014/main" id="{47C92729-84CA-AE5A-F0A2-5417A31A5F97}"/>
-              </a:ext>
-            </a:extLst>
-          </p:cNvPr>
-          <p:cNvCxnSpPr>
-            <a:cxnSpLocks/>
-          </p:cNvCxnSpPr>
-          <p:nvPr/>
-        </p:nvCxnSpPr>
-        <p:spPr>
-          <a:xfrm flipH="1" flipV="1">
-            <a:off x="4446270" y="3541456"/>
-            <a:ext cx="107950" cy="96520"/>
-          </a:xfrm>
-          <a:prstGeom prst="line">
-            <a:avLst/>
-          </a:prstGeom>
-          <a:ln>
-            <a:solidFill>
-              <a:srgbClr val="FF0000"/>
-            </a:solidFill>
-          </a:ln>
-        </p:spPr>
-        <p:style>
-          <a:lnRef idx="1">
-            <a:schemeClr val="accent1"/>
-          </a:lnRef>
-          <a:fillRef idx="0">
-            <a:schemeClr val="accent1"/>
-          </a:fillRef>
-          <a:effectRef idx="0">
-            <a:schemeClr val="accent1"/>
-          </a:effectRef>
-          <a:fontRef idx="minor">
-            <a:schemeClr val="tx1"/>
-          </a:fontRef>
-        </p:style>
-      </p:cxnSp>
-      <p:cxnSp>
-        <p:nvCxnSpPr>
-          <p:cNvPr id="20" name="Straight Connector 19">
-            <a:extLst>
-              <a:ext uri="{FF2B5EF4-FFF2-40B4-BE49-F238E27FC236}">
-                <a16:creationId xmlns:a16="http://schemas.microsoft.com/office/drawing/2014/main" id="{CAC1FCC1-1E43-ED08-BC3D-19ADC16D9354}"/>
-              </a:ext>
-            </a:extLst>
-          </p:cNvPr>
-          <p:cNvCxnSpPr/>
-          <p:nvPr/>
-        </p:nvCxnSpPr>
-        <p:spPr>
-          <a:xfrm flipV="1">
-            <a:off x="4622800" y="3213100"/>
-            <a:ext cx="99060" cy="96520"/>
-          </a:xfrm>
-          <a:prstGeom prst="line">
-            <a:avLst/>
-          </a:prstGeom>
-          <a:ln>
-            <a:solidFill>
-              <a:srgbClr val="FF0000"/>
-            </a:solidFill>
-          </a:ln>
-        </p:spPr>
-        <p:style>
-          <a:lnRef idx="1">
-            <a:schemeClr val="accent1"/>
-          </a:lnRef>
-          <a:fillRef idx="0">
-            <a:schemeClr val="accent1"/>
-          </a:fillRef>
-          <a:effectRef idx="0">
-            <a:schemeClr val="accent1"/>
-          </a:effectRef>
-          <a:fontRef idx="minor">
-            <a:schemeClr val="tx1"/>
-          </a:fontRef>
-        </p:style>
-      </p:cxnSp>
-      <p:cxnSp>
-        <p:nvCxnSpPr>
-          <p:cNvPr id="21" name="Straight Connector 20">
-            <a:extLst>
-              <a:ext uri="{FF2B5EF4-FFF2-40B4-BE49-F238E27FC236}">
-                <a16:creationId xmlns:a16="http://schemas.microsoft.com/office/drawing/2014/main" id="{55FFDE79-26C4-EFFA-2612-AFEF86315675}"/>
-              </a:ext>
-            </a:extLst>
-          </p:cNvPr>
-          <p:cNvCxnSpPr>
-            <a:cxnSpLocks/>
-          </p:cNvCxnSpPr>
-          <p:nvPr/>
-        </p:nvCxnSpPr>
-        <p:spPr>
-          <a:xfrm flipH="1" flipV="1">
-            <a:off x="4613910" y="3213100"/>
-            <a:ext cx="107950" cy="96520"/>
-          </a:xfrm>
-          <a:prstGeom prst="line">
-            <a:avLst/>
-          </a:prstGeom>
-          <a:ln>
-            <a:solidFill>
-              <a:srgbClr val="FF0000"/>
-            </a:solidFill>
-          </a:ln>
-        </p:spPr>
-        <p:style>
-          <a:lnRef idx="1">
-            <a:schemeClr val="accent1"/>
-          </a:lnRef>
-          <a:fillRef idx="0">
-            <a:schemeClr val="accent1"/>
-          </a:fillRef>
-          <a:effectRef idx="0">
-            <a:schemeClr val="accent1"/>
-          </a:effectRef>
-          <a:fontRef idx="minor">
-            <a:schemeClr val="tx1"/>
-          </a:fontRef>
-        </p:style>
-      </p:cxnSp>
-      <p:cxnSp>
-        <p:nvCxnSpPr>
-          <p:cNvPr id="22" name="Straight Connector 21">
-            <a:extLst>
-              <a:ext uri="{FF2B5EF4-FFF2-40B4-BE49-F238E27FC236}">
-                <a16:creationId xmlns:a16="http://schemas.microsoft.com/office/drawing/2014/main" id="{62CED793-AB9A-84C0-1C93-02DBBB03F1BC}"/>
-              </a:ext>
-            </a:extLst>
-          </p:cNvPr>
-          <p:cNvCxnSpPr/>
-          <p:nvPr/>
-        </p:nvCxnSpPr>
-        <p:spPr>
-          <a:xfrm flipV="1">
-            <a:off x="4765040" y="2898140"/>
-            <a:ext cx="99060" cy="96520"/>
-          </a:xfrm>
-          <a:prstGeom prst="line">
-            <a:avLst/>
-          </a:prstGeom>
-          <a:ln>
-            <a:solidFill>
-              <a:srgbClr val="FF0000"/>
-            </a:solidFill>
-          </a:ln>
-        </p:spPr>
-        <p:style>
-          <a:lnRef idx="1">
-            <a:schemeClr val="accent1"/>
-          </a:lnRef>
-          <a:fillRef idx="0">
-            <a:schemeClr val="accent1"/>
-          </a:fillRef>
-          <a:effectRef idx="0">
-            <a:schemeClr val="accent1"/>
-          </a:effectRef>
-          <a:fontRef idx="minor">
-            <a:schemeClr val="tx1"/>
-          </a:fontRef>
-        </p:style>
-      </p:cxnSp>
-      <p:cxnSp>
-        <p:nvCxnSpPr>
-          <p:cNvPr id="23" name="Straight Connector 22">
-            <a:extLst>
-              <a:ext uri="{FF2B5EF4-FFF2-40B4-BE49-F238E27FC236}">
-                <a16:creationId xmlns:a16="http://schemas.microsoft.com/office/drawing/2014/main" id="{21F156E6-C7F1-B9F6-DD87-E70894FEB441}"/>
-              </a:ext>
-            </a:extLst>
-          </p:cNvPr>
-          <p:cNvCxnSpPr>
-            <a:cxnSpLocks/>
-          </p:cNvCxnSpPr>
-          <p:nvPr/>
-        </p:nvCxnSpPr>
-        <p:spPr>
-          <a:xfrm flipH="1" flipV="1">
-            <a:off x="4756150" y="2898140"/>
-            <a:ext cx="107950" cy="96520"/>
-          </a:xfrm>
-          <a:prstGeom prst="line">
-            <a:avLst/>
-          </a:prstGeom>
-          <a:ln>
-            <a:solidFill>
-              <a:srgbClr val="FF0000"/>
-            </a:solidFill>
-          </a:ln>
-        </p:spPr>
-        <p:style>
-          <a:lnRef idx="1">
-            <a:schemeClr val="accent1"/>
-          </a:lnRef>
-          <a:fillRef idx="0">
-            <a:schemeClr val="accent1"/>
-          </a:fillRef>
-          <a:effectRef idx="0">
-            <a:schemeClr val="accent1"/>
-          </a:effectRef>
-          <a:fontRef idx="minor">
-            <a:schemeClr val="tx1"/>
-          </a:fontRef>
-        </p:style>
-      </p:cxnSp>
-      <p:cxnSp>
-        <p:nvCxnSpPr>
-          <p:cNvPr id="24" name="Straight Connector 23">
-            <a:extLst>
-              <a:ext uri="{FF2B5EF4-FFF2-40B4-BE49-F238E27FC236}">
-                <a16:creationId xmlns:a16="http://schemas.microsoft.com/office/drawing/2014/main" id="{A32992AE-4F5F-5B7A-C8F5-EF34EF684CE2}"/>
-              </a:ext>
-            </a:extLst>
-          </p:cNvPr>
-          <p:cNvCxnSpPr/>
-          <p:nvPr/>
-        </p:nvCxnSpPr>
-        <p:spPr>
-          <a:xfrm flipV="1">
-            <a:off x="4781550" y="3213100"/>
-            <a:ext cx="99060" cy="96520"/>
-          </a:xfrm>
-          <a:prstGeom prst="line">
-            <a:avLst/>
-          </a:prstGeom>
-          <a:ln>
-            <a:solidFill>
-              <a:srgbClr val="FF0000"/>
-            </a:solidFill>
-          </a:ln>
-        </p:spPr>
-        <p:style>
-          <a:lnRef idx="1">
-            <a:schemeClr val="accent1"/>
-          </a:lnRef>
-          <a:fillRef idx="0">
-            <a:schemeClr val="accent1"/>
-          </a:fillRef>
-          <a:effectRef idx="0">
-            <a:schemeClr val="accent1"/>
-          </a:effectRef>
-          <a:fontRef idx="minor">
-            <a:schemeClr val="tx1"/>
-          </a:fontRef>
-        </p:style>
-      </p:cxnSp>
-      <p:cxnSp>
-        <p:nvCxnSpPr>
-          <p:cNvPr id="25" name="Straight Connector 24">
-            <a:extLst>
-              <a:ext uri="{FF2B5EF4-FFF2-40B4-BE49-F238E27FC236}">
-                <a16:creationId xmlns:a16="http://schemas.microsoft.com/office/drawing/2014/main" id="{9BCEF2D3-C1A5-5CC8-2827-B8B35AA5E5B9}"/>
-              </a:ext>
-            </a:extLst>
-          </p:cNvPr>
-          <p:cNvCxnSpPr>
-            <a:cxnSpLocks/>
-          </p:cNvCxnSpPr>
-          <p:nvPr/>
-        </p:nvCxnSpPr>
-        <p:spPr>
-          <a:xfrm flipH="1" flipV="1">
-            <a:off x="4772660" y="3213100"/>
-            <a:ext cx="107950" cy="96520"/>
-          </a:xfrm>
-          <a:prstGeom prst="line">
-            <a:avLst/>
-          </a:prstGeom>
-          <a:ln>
-            <a:solidFill>
-              <a:srgbClr val="FF0000"/>
-            </a:solidFill>
-          </a:ln>
-        </p:spPr>
-        <p:style>
-          <a:lnRef idx="1">
-            <a:schemeClr val="accent1"/>
-          </a:lnRef>
-          <a:fillRef idx="0">
-            <a:schemeClr val="accent1"/>
-          </a:fillRef>
-          <a:effectRef idx="0">
-            <a:schemeClr val="accent1"/>
-          </a:effectRef>
-          <a:fontRef idx="minor">
-            <a:schemeClr val="tx1"/>
-          </a:fontRef>
-        </p:style>
-      </p:cxnSp>
-      <p:cxnSp>
-        <p:nvCxnSpPr>
-          <p:cNvPr id="26" name="Straight Connector 25">
-            <a:extLst>
-              <a:ext uri="{FF2B5EF4-FFF2-40B4-BE49-F238E27FC236}">
-                <a16:creationId xmlns:a16="http://schemas.microsoft.com/office/drawing/2014/main" id="{BEC8D617-E140-680F-5C8E-3E206F510A12}"/>
-              </a:ext>
-            </a:extLst>
-          </p:cNvPr>
-          <p:cNvCxnSpPr/>
-          <p:nvPr/>
-        </p:nvCxnSpPr>
-        <p:spPr>
-          <a:xfrm flipV="1">
-            <a:off x="4781550" y="3370580"/>
-            <a:ext cx="99060" cy="96520"/>
-          </a:xfrm>
-          <a:prstGeom prst="line">
-            <a:avLst/>
-          </a:prstGeom>
-          <a:ln>
-            <a:solidFill>
-              <a:srgbClr val="FF0000"/>
-            </a:solidFill>
-          </a:ln>
-        </p:spPr>
-        <p:style>
-          <a:lnRef idx="1">
-            <a:schemeClr val="accent1"/>
-          </a:lnRef>
-          <a:fillRef idx="0">
-            <a:schemeClr val="accent1"/>
-          </a:fillRef>
-          <a:effectRef idx="0">
-            <a:schemeClr val="accent1"/>
-          </a:effectRef>
-          <a:fontRef idx="minor">
-            <a:schemeClr val="tx1"/>
-          </a:fontRef>
-        </p:style>
-      </p:cxnSp>
-      <p:cxnSp>
-        <p:nvCxnSpPr>
-          <p:cNvPr id="27" name="Straight Connector 26">
-            <a:extLst>
-              <a:ext uri="{FF2B5EF4-FFF2-40B4-BE49-F238E27FC236}">
-                <a16:creationId xmlns:a16="http://schemas.microsoft.com/office/drawing/2014/main" id="{84CFDF95-8114-9820-E80E-8190254ABE5F}"/>
-              </a:ext>
-            </a:extLst>
-          </p:cNvPr>
-          <p:cNvCxnSpPr>
-            <a:cxnSpLocks/>
-          </p:cNvCxnSpPr>
-          <p:nvPr/>
-        </p:nvCxnSpPr>
-        <p:spPr>
-          <a:xfrm flipH="1" flipV="1">
-            <a:off x="4772660" y="3370580"/>
-            <a:ext cx="107950" cy="96520"/>
-          </a:xfrm>
-          <a:prstGeom prst="line">
-            <a:avLst/>
-          </a:prstGeom>
-          <a:ln>
-            <a:solidFill>
-              <a:srgbClr val="FF0000"/>
-            </a:solidFill>
-          </a:ln>
-        </p:spPr>
-        <p:style>
-          <a:lnRef idx="1">
-            <a:schemeClr val="accent1"/>
-          </a:lnRef>
-          <a:fillRef idx="0">
-            <a:schemeClr val="accent1"/>
-          </a:fillRef>
-          <a:effectRef idx="0">
-            <a:schemeClr val="accent1"/>
-          </a:effectRef>
-          <a:fontRef idx="minor">
-            <a:schemeClr val="tx1"/>
-          </a:fontRef>
-        </p:style>
-      </p:cxnSp>
-      <p:cxnSp>
-        <p:nvCxnSpPr>
-          <p:cNvPr id="28" name="Straight Connector 27">
-            <a:extLst>
-              <a:ext uri="{FF2B5EF4-FFF2-40B4-BE49-F238E27FC236}">
-                <a16:creationId xmlns:a16="http://schemas.microsoft.com/office/drawing/2014/main" id="{344DE15D-76B7-8B15-5461-D7D6F1F8D0D8}"/>
-              </a:ext>
-            </a:extLst>
-          </p:cNvPr>
-          <p:cNvCxnSpPr/>
-          <p:nvPr/>
-        </p:nvCxnSpPr>
-        <p:spPr>
-          <a:xfrm flipV="1">
-            <a:off x="4773930" y="3523676"/>
-            <a:ext cx="99060" cy="96520"/>
-          </a:xfrm>
-          <a:prstGeom prst="line">
-            <a:avLst/>
-          </a:prstGeom>
-          <a:ln>
-            <a:solidFill>
-              <a:srgbClr val="FF0000"/>
-            </a:solidFill>
-          </a:ln>
-        </p:spPr>
-        <p:style>
-          <a:lnRef idx="1">
-            <a:schemeClr val="accent1"/>
-          </a:lnRef>
-          <a:fillRef idx="0">
-            <a:schemeClr val="accent1"/>
-          </a:fillRef>
-          <a:effectRef idx="0">
-            <a:schemeClr val="accent1"/>
-          </a:effectRef>
-          <a:fontRef idx="minor">
-            <a:schemeClr val="tx1"/>
-          </a:fontRef>
-        </p:style>
-      </p:cxnSp>
-      <p:cxnSp>
-        <p:nvCxnSpPr>
-          <p:cNvPr id="29" name="Straight Connector 28">
-            <a:extLst>
-              <a:ext uri="{FF2B5EF4-FFF2-40B4-BE49-F238E27FC236}">
-                <a16:creationId xmlns:a16="http://schemas.microsoft.com/office/drawing/2014/main" id="{9B4C754B-C660-367F-FA74-43800A07D3C4}"/>
-              </a:ext>
-            </a:extLst>
-          </p:cNvPr>
-          <p:cNvCxnSpPr>
-            <a:cxnSpLocks/>
-          </p:cNvCxnSpPr>
-          <p:nvPr/>
-        </p:nvCxnSpPr>
-        <p:spPr>
-          <a:xfrm flipH="1" flipV="1">
-            <a:off x="4765040" y="3523676"/>
-            <a:ext cx="107950" cy="96520"/>
-          </a:xfrm>
-          <a:prstGeom prst="line">
-            <a:avLst/>
-          </a:prstGeom>
-          <a:ln>
-            <a:solidFill>
-              <a:srgbClr val="FF0000"/>
-            </a:solidFill>
-          </a:ln>
-        </p:spPr>
-        <p:style>
-          <a:lnRef idx="1">
-            <a:schemeClr val="accent1"/>
-          </a:lnRef>
-          <a:fillRef idx="0">
-            <a:schemeClr val="accent1"/>
-          </a:fillRef>
-          <a:effectRef idx="0">
-            <a:schemeClr val="accent1"/>
-          </a:effectRef>
-          <a:fontRef idx="minor">
-            <a:schemeClr val="tx1"/>
-          </a:fontRef>
-        </p:style>
-      </p:cxnSp>
-      <p:cxnSp>
-        <p:nvCxnSpPr>
-          <p:cNvPr id="30" name="Straight Connector 29">
-            <a:extLst>
-              <a:ext uri="{FF2B5EF4-FFF2-40B4-BE49-F238E27FC236}">
-                <a16:creationId xmlns:a16="http://schemas.microsoft.com/office/drawing/2014/main" id="{70CBD400-081C-DD45-8ACA-E45B454948FC}"/>
-              </a:ext>
-            </a:extLst>
-          </p:cNvPr>
-          <p:cNvCxnSpPr/>
-          <p:nvPr/>
-        </p:nvCxnSpPr>
-        <p:spPr>
-          <a:xfrm flipV="1">
-            <a:off x="4765040" y="3037840"/>
-            <a:ext cx="99060" cy="96520"/>
-          </a:xfrm>
-          <a:prstGeom prst="line">
-            <a:avLst/>
-          </a:prstGeom>
-          <a:ln>
-            <a:solidFill>
-              <a:srgbClr val="FF0000"/>
-            </a:solidFill>
-          </a:ln>
-        </p:spPr>
-        <p:style>
-          <a:lnRef idx="1">
-            <a:schemeClr val="accent1"/>
-          </a:lnRef>
-          <a:fillRef idx="0">
-            <a:schemeClr val="accent1"/>
-          </a:fillRef>
-          <a:effectRef idx="0">
-            <a:schemeClr val="accent1"/>
-          </a:effectRef>
-          <a:fontRef idx="minor">
-            <a:schemeClr val="tx1"/>
-          </a:fontRef>
-        </p:style>
-      </p:cxnSp>
-      <p:cxnSp>
-        <p:nvCxnSpPr>
-          <p:cNvPr id="31" name="Straight Connector 30">
-            <a:extLst>
-              <a:ext uri="{FF2B5EF4-FFF2-40B4-BE49-F238E27FC236}">
-                <a16:creationId xmlns:a16="http://schemas.microsoft.com/office/drawing/2014/main" id="{27B71132-46E2-11FE-1831-7A3B78C8CBF3}"/>
-              </a:ext>
-            </a:extLst>
-          </p:cNvPr>
-          <p:cNvCxnSpPr>
-            <a:cxnSpLocks/>
-          </p:cNvCxnSpPr>
-          <p:nvPr/>
-        </p:nvCxnSpPr>
-        <p:spPr>
-          <a:xfrm flipH="1" flipV="1">
-            <a:off x="4756150" y="3037840"/>
-            <a:ext cx="107950" cy="96520"/>
-          </a:xfrm>
-          <a:prstGeom prst="line">
-            <a:avLst/>
-          </a:prstGeom>
-          <a:ln>
-            <a:solidFill>
-              <a:srgbClr val="FF0000"/>
-            </a:solidFill>
-          </a:ln>
-        </p:spPr>
-        <p:style>
-          <a:lnRef idx="1">
-            <a:schemeClr val="accent1"/>
-          </a:lnRef>
-          <a:fillRef idx="0">
-            <a:schemeClr val="accent1"/>
-          </a:fillRef>
-          <a:effectRef idx="0">
-            <a:schemeClr val="accent1"/>
-          </a:effectRef>
-          <a:fontRef idx="minor">
-            <a:schemeClr val="tx1"/>
-          </a:fontRef>
-        </p:style>
-      </p:cxnSp>
-      <p:cxnSp>
-        <p:nvCxnSpPr>
-          <p:cNvPr id="32" name="Straight Connector 31">
-            <a:extLst>
-              <a:ext uri="{FF2B5EF4-FFF2-40B4-BE49-F238E27FC236}">
-                <a16:creationId xmlns:a16="http://schemas.microsoft.com/office/drawing/2014/main" id="{7AB784AE-97BD-F16F-50CE-4D94EF1FB45B}"/>
-              </a:ext>
-            </a:extLst>
-          </p:cNvPr>
-          <p:cNvCxnSpPr/>
-          <p:nvPr/>
-        </p:nvCxnSpPr>
-        <p:spPr>
-          <a:xfrm flipV="1">
-            <a:off x="5074920" y="2898140"/>
-            <a:ext cx="99060" cy="96520"/>
-          </a:xfrm>
-          <a:prstGeom prst="line">
-            <a:avLst/>
-          </a:prstGeom>
-          <a:ln>
-            <a:solidFill>
-              <a:srgbClr val="FF0000"/>
-            </a:solidFill>
-          </a:ln>
-        </p:spPr>
-        <p:style>
-          <a:lnRef idx="1">
-            <a:schemeClr val="accent1"/>
-          </a:lnRef>
-          <a:fillRef idx="0">
-            <a:schemeClr val="accent1"/>
-          </a:fillRef>
-          <a:effectRef idx="0">
-            <a:schemeClr val="accent1"/>
-          </a:effectRef>
-          <a:fontRef idx="minor">
-            <a:schemeClr val="tx1"/>
-          </a:fontRef>
-        </p:style>
-      </p:cxnSp>
-      <p:cxnSp>
-        <p:nvCxnSpPr>
-          <p:cNvPr id="33" name="Straight Connector 32">
-            <a:extLst>
-              <a:ext uri="{FF2B5EF4-FFF2-40B4-BE49-F238E27FC236}">
-                <a16:creationId xmlns:a16="http://schemas.microsoft.com/office/drawing/2014/main" id="{89FE34BB-A3E2-4996-8DDE-6FC8FC3DB67E}"/>
-              </a:ext>
-            </a:extLst>
-          </p:cNvPr>
-          <p:cNvCxnSpPr>
-            <a:cxnSpLocks/>
-          </p:cNvCxnSpPr>
-          <p:nvPr/>
-        </p:nvCxnSpPr>
-        <p:spPr>
-          <a:xfrm flipH="1" flipV="1">
-            <a:off x="5066030" y="2898140"/>
-            <a:ext cx="107950" cy="96520"/>
-          </a:xfrm>
-          <a:prstGeom prst="line">
-            <a:avLst/>
-          </a:prstGeom>
-          <a:ln>
-            <a:solidFill>
-              <a:srgbClr val="FF0000"/>
-            </a:solidFill>
-          </a:ln>
-        </p:spPr>
-        <p:style>
-          <a:lnRef idx="1">
-            <a:schemeClr val="accent1"/>
-          </a:lnRef>
-          <a:fillRef idx="0">
-            <a:schemeClr val="accent1"/>
-          </a:fillRef>
-          <a:effectRef idx="0">
-            <a:schemeClr val="accent1"/>
-          </a:effectRef>
-          <a:fontRef idx="minor">
-            <a:schemeClr val="tx1"/>
-          </a:fontRef>
-        </p:style>
-      </p:cxnSp>
-      <p:cxnSp>
-        <p:nvCxnSpPr>
-          <p:cNvPr id="34" name="Straight Connector 33">
-            <a:extLst>
-              <a:ext uri="{FF2B5EF4-FFF2-40B4-BE49-F238E27FC236}">
-                <a16:creationId xmlns:a16="http://schemas.microsoft.com/office/drawing/2014/main" id="{8AACA27D-49FC-A10E-24DA-88B2B6C852C6}"/>
-              </a:ext>
-            </a:extLst>
-          </p:cNvPr>
-          <p:cNvCxnSpPr/>
-          <p:nvPr/>
-        </p:nvCxnSpPr>
-        <p:spPr>
-          <a:xfrm flipV="1">
-            <a:off x="5232400" y="2898140"/>
-            <a:ext cx="99060" cy="96520"/>
-          </a:xfrm>
-          <a:prstGeom prst="line">
-            <a:avLst/>
-          </a:prstGeom>
-          <a:ln>
-            <a:solidFill>
-              <a:srgbClr val="FF0000"/>
-            </a:solidFill>
-          </a:ln>
-        </p:spPr>
-        <p:style>
-          <a:lnRef idx="1">
-            <a:schemeClr val="accent1"/>
-          </a:lnRef>
-          <a:fillRef idx="0">
-            <a:schemeClr val="accent1"/>
-          </a:fillRef>
-          <a:effectRef idx="0">
-            <a:schemeClr val="accent1"/>
-          </a:effectRef>
-          <a:fontRef idx="minor">
-            <a:schemeClr val="tx1"/>
-          </a:fontRef>
-        </p:style>
-      </p:cxnSp>
-      <p:cxnSp>
-        <p:nvCxnSpPr>
-          <p:cNvPr id="35" name="Straight Connector 34">
-            <a:extLst>
-              <a:ext uri="{FF2B5EF4-FFF2-40B4-BE49-F238E27FC236}">
-                <a16:creationId xmlns:a16="http://schemas.microsoft.com/office/drawing/2014/main" id="{920D6919-2E19-892B-4BFF-13DD6CC97CE7}"/>
-              </a:ext>
-            </a:extLst>
-          </p:cNvPr>
-          <p:cNvCxnSpPr>
-            <a:cxnSpLocks/>
-          </p:cNvCxnSpPr>
-          <p:nvPr/>
-        </p:nvCxnSpPr>
-        <p:spPr>
-          <a:xfrm flipH="1" flipV="1">
-            <a:off x="5223510" y="2898140"/>
-            <a:ext cx="107950" cy="96520"/>
-          </a:xfrm>
-          <a:prstGeom prst="line">
-            <a:avLst/>
-          </a:prstGeom>
-          <a:ln>
-            <a:solidFill>
-              <a:srgbClr val="FF0000"/>
-            </a:solidFill>
-          </a:ln>
-        </p:spPr>
-        <p:style>
-          <a:lnRef idx="1">
-            <a:schemeClr val="accent1"/>
-          </a:lnRef>
-          <a:fillRef idx="0">
-            <a:schemeClr val="accent1"/>
-          </a:fillRef>
-          <a:effectRef idx="0">
-            <a:schemeClr val="accent1"/>
-          </a:effectRef>
-          <a:fontRef idx="minor">
-            <a:schemeClr val="tx1"/>
-          </a:fontRef>
-        </p:style>
-      </p:cxnSp>
-      <p:cxnSp>
-        <p:nvCxnSpPr>
-          <p:cNvPr id="36" name="Straight Connector 35">
-            <a:extLst>
-              <a:ext uri="{FF2B5EF4-FFF2-40B4-BE49-F238E27FC236}">
-                <a16:creationId xmlns:a16="http://schemas.microsoft.com/office/drawing/2014/main" id="{8DD62CB1-B2D5-7C4B-30E2-91C93BF97521}"/>
-              </a:ext>
-            </a:extLst>
-          </p:cNvPr>
-          <p:cNvCxnSpPr/>
-          <p:nvPr/>
-        </p:nvCxnSpPr>
-        <p:spPr>
-          <a:xfrm flipV="1">
-            <a:off x="5384800" y="2898140"/>
-            <a:ext cx="99060" cy="96520"/>
-          </a:xfrm>
-          <a:prstGeom prst="line">
-            <a:avLst/>
-          </a:prstGeom>
-          <a:ln>
-            <a:solidFill>
-              <a:srgbClr val="FF0000"/>
-            </a:solidFill>
-          </a:ln>
-        </p:spPr>
-        <p:style>
-          <a:lnRef idx="1">
-            <a:schemeClr val="accent1"/>
-          </a:lnRef>
-          <a:fillRef idx="0">
-            <a:schemeClr val="accent1"/>
-          </a:fillRef>
-          <a:effectRef idx="0">
-            <a:schemeClr val="accent1"/>
-          </a:effectRef>
-          <a:fontRef idx="minor">
-            <a:schemeClr val="tx1"/>
-          </a:fontRef>
-        </p:style>
-      </p:cxnSp>
-      <p:cxnSp>
-        <p:nvCxnSpPr>
-          <p:cNvPr id="37" name="Straight Connector 36">
-            <a:extLst>
-              <a:ext uri="{FF2B5EF4-FFF2-40B4-BE49-F238E27FC236}">
-                <a16:creationId xmlns:a16="http://schemas.microsoft.com/office/drawing/2014/main" id="{D18855B2-1AAB-0ED2-42F6-F6D1C58003A3}"/>
-              </a:ext>
-            </a:extLst>
-          </p:cNvPr>
-          <p:cNvCxnSpPr>
-            <a:cxnSpLocks/>
-          </p:cNvCxnSpPr>
-          <p:nvPr/>
-        </p:nvCxnSpPr>
-        <p:spPr>
-          <a:xfrm flipH="1" flipV="1">
-            <a:off x="5375910" y="2898140"/>
-            <a:ext cx="107950" cy="96520"/>
-          </a:xfrm>
-          <a:prstGeom prst="line">
-            <a:avLst/>
-          </a:prstGeom>
-          <a:ln>
-            <a:solidFill>
-              <a:srgbClr val="FF0000"/>
-            </a:solidFill>
-          </a:ln>
-        </p:spPr>
-        <p:style>
-          <a:lnRef idx="1">
-            <a:schemeClr val="accent1"/>
-          </a:lnRef>
-          <a:fillRef idx="0">
-            <a:schemeClr val="accent1"/>
-          </a:fillRef>
-          <a:effectRef idx="0">
-            <a:schemeClr val="accent1"/>
-          </a:effectRef>
-          <a:fontRef idx="minor">
-            <a:schemeClr val="tx1"/>
-          </a:fontRef>
-        </p:style>
-      </p:cxnSp>
-      <p:cxnSp>
-        <p:nvCxnSpPr>
-          <p:cNvPr id="38" name="Straight Connector 37">
-            <a:extLst>
-              <a:ext uri="{FF2B5EF4-FFF2-40B4-BE49-F238E27FC236}">
-                <a16:creationId xmlns:a16="http://schemas.microsoft.com/office/drawing/2014/main" id="{BEC429D3-857E-AFBB-3FF5-E15B5542E825}"/>
-              </a:ext>
-            </a:extLst>
-          </p:cNvPr>
-          <p:cNvCxnSpPr/>
-          <p:nvPr/>
-        </p:nvCxnSpPr>
-        <p:spPr>
-          <a:xfrm flipV="1">
-            <a:off x="5074920" y="3523676"/>
-            <a:ext cx="99060" cy="96520"/>
-          </a:xfrm>
-          <a:prstGeom prst="line">
-            <a:avLst/>
-          </a:prstGeom>
-          <a:ln>
-            <a:solidFill>
-              <a:srgbClr val="FF0000"/>
-            </a:solidFill>
-          </a:ln>
-        </p:spPr>
-        <p:style>
-          <a:lnRef idx="1">
-            <a:schemeClr val="accent1"/>
-          </a:lnRef>
-          <a:fillRef idx="0">
-            <a:schemeClr val="accent1"/>
-          </a:fillRef>
-          <a:effectRef idx="0">
-            <a:schemeClr val="accent1"/>
-          </a:effectRef>
-          <a:fontRef idx="minor">
-            <a:schemeClr val="tx1"/>
-          </a:fontRef>
-        </p:style>
-      </p:cxnSp>
-      <p:cxnSp>
-        <p:nvCxnSpPr>
-          <p:cNvPr id="39" name="Straight Connector 38">
-            <a:extLst>
-              <a:ext uri="{FF2B5EF4-FFF2-40B4-BE49-F238E27FC236}">
-                <a16:creationId xmlns:a16="http://schemas.microsoft.com/office/drawing/2014/main" id="{6315F889-DC5C-CC39-B86C-233BE118654E}"/>
-              </a:ext>
-            </a:extLst>
-          </p:cNvPr>
-          <p:cNvCxnSpPr>
-            <a:cxnSpLocks/>
-          </p:cNvCxnSpPr>
-          <p:nvPr/>
-        </p:nvCxnSpPr>
-        <p:spPr>
-          <a:xfrm flipH="1" flipV="1">
-            <a:off x="5066030" y="3523676"/>
-            <a:ext cx="107950" cy="96520"/>
-          </a:xfrm>
-          <a:prstGeom prst="line">
-            <a:avLst/>
-          </a:prstGeom>
-          <a:ln>
-            <a:solidFill>
-              <a:srgbClr val="FF0000"/>
-            </a:solidFill>
-          </a:ln>
-        </p:spPr>
-        <p:style>
-          <a:lnRef idx="1">
-            <a:schemeClr val="accent1"/>
-          </a:lnRef>
-          <a:fillRef idx="0">
-            <a:schemeClr val="accent1"/>
-          </a:fillRef>
-          <a:effectRef idx="0">
-            <a:schemeClr val="accent1"/>
-          </a:effectRef>
-          <a:fontRef idx="minor">
-            <a:schemeClr val="tx1"/>
-          </a:fontRef>
-        </p:style>
-      </p:cxnSp>
-      <p:cxnSp>
-        <p:nvCxnSpPr>
-          <p:cNvPr id="40" name="Straight Connector 39">
-            <a:extLst>
-              <a:ext uri="{FF2B5EF4-FFF2-40B4-BE49-F238E27FC236}">
-                <a16:creationId xmlns:a16="http://schemas.microsoft.com/office/drawing/2014/main" id="{991D8341-1CC3-45F3-D281-3EF3265EDE5C}"/>
-              </a:ext>
-            </a:extLst>
-          </p:cNvPr>
-          <p:cNvCxnSpPr/>
-          <p:nvPr/>
-        </p:nvCxnSpPr>
-        <p:spPr>
-          <a:xfrm flipV="1">
-            <a:off x="5232400" y="3523676"/>
-            <a:ext cx="99060" cy="96520"/>
-          </a:xfrm>
-          <a:prstGeom prst="line">
-            <a:avLst/>
-          </a:prstGeom>
-          <a:ln>
-            <a:solidFill>
-              <a:srgbClr val="FF0000"/>
-            </a:solidFill>
-          </a:ln>
-        </p:spPr>
-        <p:style>
-          <a:lnRef idx="1">
-            <a:schemeClr val="accent1"/>
-          </a:lnRef>
-          <a:fillRef idx="0">
-            <a:schemeClr val="accent1"/>
-          </a:fillRef>
-          <a:effectRef idx="0">
-            <a:schemeClr val="accent1"/>
-          </a:effectRef>
-          <a:fontRef idx="minor">
-            <a:schemeClr val="tx1"/>
-          </a:fontRef>
-        </p:style>
-      </p:cxnSp>
-      <p:cxnSp>
-        <p:nvCxnSpPr>
-          <p:cNvPr id="41" name="Straight Connector 40">
-            <a:extLst>
-              <a:ext uri="{FF2B5EF4-FFF2-40B4-BE49-F238E27FC236}">
-                <a16:creationId xmlns:a16="http://schemas.microsoft.com/office/drawing/2014/main" id="{B8D3AADF-DD26-E529-0837-E8D2254F476D}"/>
-              </a:ext>
-            </a:extLst>
-          </p:cNvPr>
-          <p:cNvCxnSpPr>
-            <a:cxnSpLocks/>
-          </p:cNvCxnSpPr>
-          <p:nvPr/>
-        </p:nvCxnSpPr>
-        <p:spPr>
-          <a:xfrm flipH="1" flipV="1">
-            <a:off x="5223510" y="3523676"/>
-            <a:ext cx="107950" cy="96520"/>
-          </a:xfrm>
-          <a:prstGeom prst="line">
-            <a:avLst/>
-          </a:prstGeom>
-          <a:ln>
-            <a:solidFill>
-              <a:srgbClr val="FF0000"/>
-            </a:solidFill>
-          </a:ln>
-        </p:spPr>
-        <p:style>
-          <a:lnRef idx="1">
-            <a:schemeClr val="accent1"/>
-          </a:lnRef>
-          <a:fillRef idx="0">
-            <a:schemeClr val="accent1"/>
-          </a:fillRef>
-          <a:effectRef idx="0">
-            <a:schemeClr val="accent1"/>
-          </a:effectRef>
-          <a:fontRef idx="minor">
-            <a:schemeClr val="tx1"/>
-          </a:fontRef>
-        </p:style>
-      </p:cxnSp>
-      <p:cxnSp>
-        <p:nvCxnSpPr>
-          <p:cNvPr id="42" name="Straight Connector 41">
-            <a:extLst>
-              <a:ext uri="{FF2B5EF4-FFF2-40B4-BE49-F238E27FC236}">
-                <a16:creationId xmlns:a16="http://schemas.microsoft.com/office/drawing/2014/main" id="{50A2AE8F-C053-3AB8-D9FA-DAA47F3516DB}"/>
-              </a:ext>
-            </a:extLst>
-          </p:cNvPr>
-          <p:cNvCxnSpPr/>
-          <p:nvPr/>
-        </p:nvCxnSpPr>
-        <p:spPr>
-          <a:xfrm flipV="1">
-            <a:off x="5384800" y="3523676"/>
-            <a:ext cx="99060" cy="96520"/>
-          </a:xfrm>
-          <a:prstGeom prst="line">
-            <a:avLst/>
-          </a:prstGeom>
-          <a:ln>
-            <a:solidFill>
-              <a:srgbClr val="FF0000"/>
-            </a:solidFill>
-          </a:ln>
-        </p:spPr>
-        <p:style>
-          <a:lnRef idx="1">
-            <a:schemeClr val="accent1"/>
-          </a:lnRef>
-          <a:fillRef idx="0">
-            <a:schemeClr val="accent1"/>
-          </a:fillRef>
-          <a:effectRef idx="0">
-            <a:schemeClr val="accent1"/>
-          </a:effectRef>
-          <a:fontRef idx="minor">
-            <a:schemeClr val="tx1"/>
-          </a:fontRef>
-        </p:style>
-      </p:cxnSp>
-      <p:cxnSp>
-        <p:nvCxnSpPr>
-          <p:cNvPr id="43" name="Straight Connector 42">
-            <a:extLst>
-              <a:ext uri="{FF2B5EF4-FFF2-40B4-BE49-F238E27FC236}">
-                <a16:creationId xmlns:a16="http://schemas.microsoft.com/office/drawing/2014/main" id="{DD3028A9-5C5B-A76A-2F45-0C9EB6DC9A03}"/>
-              </a:ext>
-            </a:extLst>
-          </p:cNvPr>
-          <p:cNvCxnSpPr>
-            <a:cxnSpLocks/>
-          </p:cNvCxnSpPr>
-          <p:nvPr/>
-        </p:nvCxnSpPr>
-        <p:spPr>
-          <a:xfrm flipH="1" flipV="1">
-            <a:off x="5375910" y="3523676"/>
-            <a:ext cx="107950" cy="96520"/>
-          </a:xfrm>
-          <a:prstGeom prst="line">
-            <a:avLst/>
-          </a:prstGeom>
-          <a:ln>
-            <a:solidFill>
-              <a:srgbClr val="FF0000"/>
-            </a:solidFill>
-          </a:ln>
-        </p:spPr>
-        <p:style>
-          <a:lnRef idx="1">
-            <a:schemeClr val="accent1"/>
-          </a:lnRef>
-          <a:fillRef idx="0">
-            <a:schemeClr val="accent1"/>
-          </a:fillRef>
-          <a:effectRef idx="0">
-            <a:schemeClr val="accent1"/>
-          </a:effectRef>
-          <a:fontRef idx="minor">
-            <a:schemeClr val="tx1"/>
-          </a:fontRef>
-        </p:style>
-      </p:cxnSp>
-      <p:cxnSp>
-        <p:nvCxnSpPr>
-          <p:cNvPr id="44" name="Straight Connector 43">
-            <a:extLst>
-              <a:ext uri="{FF2B5EF4-FFF2-40B4-BE49-F238E27FC236}">
-                <a16:creationId xmlns:a16="http://schemas.microsoft.com/office/drawing/2014/main" id="{40C0D14F-AE3A-0A5C-1325-1B2306341DD8}"/>
-              </a:ext>
-            </a:extLst>
-          </p:cNvPr>
-          <p:cNvCxnSpPr/>
-          <p:nvPr/>
-        </p:nvCxnSpPr>
-        <p:spPr>
-          <a:xfrm flipV="1">
-            <a:off x="5250180" y="3042224"/>
-            <a:ext cx="99060" cy="96520"/>
-          </a:xfrm>
-          <a:prstGeom prst="line">
-            <a:avLst/>
-          </a:prstGeom>
-          <a:ln>
-            <a:solidFill>
-              <a:srgbClr val="FF0000"/>
-            </a:solidFill>
-          </a:ln>
-        </p:spPr>
-        <p:style>
-          <a:lnRef idx="1">
-            <a:schemeClr val="accent1"/>
-          </a:lnRef>
-          <a:fillRef idx="0">
-            <a:schemeClr val="accent1"/>
-          </a:fillRef>
-          <a:effectRef idx="0">
-            <a:schemeClr val="accent1"/>
-          </a:effectRef>
-          <a:fontRef idx="minor">
-            <a:schemeClr val="tx1"/>
-          </a:fontRef>
-        </p:style>
-      </p:cxnSp>
-      <p:cxnSp>
-        <p:nvCxnSpPr>
-          <p:cNvPr id="45" name="Straight Connector 44">
-            <a:extLst>
-              <a:ext uri="{FF2B5EF4-FFF2-40B4-BE49-F238E27FC236}">
-                <a16:creationId xmlns:a16="http://schemas.microsoft.com/office/drawing/2014/main" id="{D83B7CAB-1761-8D59-585F-44DD138657E7}"/>
-              </a:ext>
-            </a:extLst>
-          </p:cNvPr>
-          <p:cNvCxnSpPr>
-            <a:cxnSpLocks/>
-          </p:cNvCxnSpPr>
-          <p:nvPr/>
-        </p:nvCxnSpPr>
-        <p:spPr>
-          <a:xfrm flipH="1" flipV="1">
-            <a:off x="5241290" y="3042224"/>
-            <a:ext cx="107950" cy="96520"/>
-          </a:xfrm>
-          <a:prstGeom prst="line">
-            <a:avLst/>
-          </a:prstGeom>
-          <a:ln>
-            <a:solidFill>
-              <a:srgbClr val="FF0000"/>
-            </a:solidFill>
-          </a:ln>
-        </p:spPr>
-        <p:style>
-          <a:lnRef idx="1">
-            <a:schemeClr val="accent1"/>
-          </a:lnRef>
-          <a:fillRef idx="0">
-            <a:schemeClr val="accent1"/>
-          </a:fillRef>
-          <a:effectRef idx="0">
-            <a:schemeClr val="accent1"/>
-          </a:effectRef>
-          <a:fontRef idx="minor">
-            <a:schemeClr val="tx1"/>
-          </a:fontRef>
-        </p:style>
-      </p:cxnSp>
-      <p:cxnSp>
-        <p:nvCxnSpPr>
-          <p:cNvPr id="46" name="Straight Connector 45">
-            <a:extLst>
-              <a:ext uri="{FF2B5EF4-FFF2-40B4-BE49-F238E27FC236}">
-                <a16:creationId xmlns:a16="http://schemas.microsoft.com/office/drawing/2014/main" id="{3D137CD6-7790-7061-6E15-2EE5A94865EC}"/>
-              </a:ext>
-            </a:extLst>
-          </p:cNvPr>
-          <p:cNvCxnSpPr/>
-          <p:nvPr/>
-        </p:nvCxnSpPr>
-        <p:spPr>
-          <a:xfrm flipV="1">
-            <a:off x="5241290" y="3199704"/>
-            <a:ext cx="99060" cy="96520"/>
-          </a:xfrm>
-          <a:prstGeom prst="line">
-            <a:avLst/>
-          </a:prstGeom>
-          <a:ln>
-            <a:solidFill>
-              <a:srgbClr val="FF0000"/>
-            </a:solidFill>
-          </a:ln>
-        </p:spPr>
-        <p:style>
-          <a:lnRef idx="1">
-            <a:schemeClr val="accent1"/>
-          </a:lnRef>
-          <a:fillRef idx="0">
-            <a:schemeClr val="accent1"/>
-          </a:fillRef>
-          <a:effectRef idx="0">
-            <a:schemeClr val="accent1"/>
-          </a:effectRef>
-          <a:fontRef idx="minor">
-            <a:schemeClr val="tx1"/>
-          </a:fontRef>
-        </p:style>
-      </p:cxnSp>
-      <p:cxnSp>
-        <p:nvCxnSpPr>
-          <p:cNvPr id="47" name="Straight Connector 46">
-            <a:extLst>
-              <a:ext uri="{FF2B5EF4-FFF2-40B4-BE49-F238E27FC236}">
-                <a16:creationId xmlns:a16="http://schemas.microsoft.com/office/drawing/2014/main" id="{3B611AC5-302C-9D1B-A9C0-CB47E9F228AA}"/>
-              </a:ext>
-            </a:extLst>
-          </p:cNvPr>
-          <p:cNvCxnSpPr>
-            <a:cxnSpLocks/>
-          </p:cNvCxnSpPr>
-          <p:nvPr/>
-        </p:nvCxnSpPr>
-        <p:spPr>
-          <a:xfrm flipH="1" flipV="1">
-            <a:off x="5232400" y="3199704"/>
-            <a:ext cx="107950" cy="96520"/>
-          </a:xfrm>
-          <a:prstGeom prst="line">
-            <a:avLst/>
-          </a:prstGeom>
-          <a:ln>
-            <a:solidFill>
-              <a:srgbClr val="FF0000"/>
-            </a:solidFill>
-          </a:ln>
-        </p:spPr>
-        <p:style>
-          <a:lnRef idx="1">
-            <a:schemeClr val="accent1"/>
-          </a:lnRef>
-          <a:fillRef idx="0">
-            <a:schemeClr val="accent1"/>
-          </a:fillRef>
-          <a:effectRef idx="0">
-            <a:schemeClr val="accent1"/>
-          </a:effectRef>
-          <a:fontRef idx="minor">
-            <a:schemeClr val="tx1"/>
-          </a:fontRef>
-        </p:style>
-      </p:cxnSp>
-      <p:cxnSp>
-        <p:nvCxnSpPr>
-          <p:cNvPr id="48" name="Straight Connector 47">
-            <a:extLst>
-              <a:ext uri="{FF2B5EF4-FFF2-40B4-BE49-F238E27FC236}">
-                <a16:creationId xmlns:a16="http://schemas.microsoft.com/office/drawing/2014/main" id="{7FA372B0-98BB-271A-321F-65CD84824619}"/>
-              </a:ext>
-            </a:extLst>
-          </p:cNvPr>
-          <p:cNvCxnSpPr/>
-          <p:nvPr/>
-        </p:nvCxnSpPr>
-        <p:spPr>
-          <a:xfrm flipV="1">
-            <a:off x="5241290" y="3370580"/>
-            <a:ext cx="99060" cy="96520"/>
-          </a:xfrm>
-          <a:prstGeom prst="line">
-            <a:avLst/>
-          </a:prstGeom>
-          <a:ln>
-            <a:solidFill>
-              <a:srgbClr val="FF0000"/>
-            </a:solidFill>
-          </a:ln>
-        </p:spPr>
-        <p:style>
-          <a:lnRef idx="1">
-            <a:schemeClr val="accent1"/>
-          </a:lnRef>
-          <a:fillRef idx="0">
-            <a:schemeClr val="accent1"/>
-          </a:fillRef>
-          <a:effectRef idx="0">
-            <a:schemeClr val="accent1"/>
-          </a:effectRef>
-          <a:fontRef idx="minor">
-            <a:schemeClr val="tx1"/>
-          </a:fontRef>
-        </p:style>
-      </p:cxnSp>
-      <p:cxnSp>
-        <p:nvCxnSpPr>
-          <p:cNvPr id="49" name="Straight Connector 48">
-            <a:extLst>
-              <a:ext uri="{FF2B5EF4-FFF2-40B4-BE49-F238E27FC236}">
-                <a16:creationId xmlns:a16="http://schemas.microsoft.com/office/drawing/2014/main" id="{8FBF38AF-DE25-BF3C-1575-65F635ED58D4}"/>
-              </a:ext>
-            </a:extLst>
-          </p:cNvPr>
-          <p:cNvCxnSpPr>
-            <a:cxnSpLocks/>
-          </p:cNvCxnSpPr>
-          <p:nvPr/>
-        </p:nvCxnSpPr>
-        <p:spPr>
-          <a:xfrm flipH="1" flipV="1">
-            <a:off x="5232400" y="3370580"/>
-            <a:ext cx="107950" cy="96520"/>
-          </a:xfrm>
-          <a:prstGeom prst="line">
-            <a:avLst/>
-          </a:prstGeom>
-          <a:ln>
-            <a:solidFill>
-              <a:srgbClr val="FF0000"/>
-            </a:solidFill>
-          </a:ln>
-        </p:spPr>
-        <p:style>
-          <a:lnRef idx="1">
-            <a:schemeClr val="accent1"/>
-          </a:lnRef>
-          <a:fillRef idx="0">
-            <a:schemeClr val="accent1"/>
-          </a:fillRef>
-          <a:effectRef idx="0">
-            <a:schemeClr val="accent1"/>
-          </a:effectRef>
-          <a:fontRef idx="minor">
-            <a:schemeClr val="tx1"/>
-          </a:fontRef>
-        </p:style>
-      </p:cxnSp>
-      <p:sp>
-        <p:nvSpPr>
-          <p:cNvPr id="50" name="TextBox 49">
-            <a:extLst>
-              <a:ext uri="{FF2B5EF4-FFF2-40B4-BE49-F238E27FC236}">
-                <a16:creationId xmlns:a16="http://schemas.microsoft.com/office/drawing/2014/main" id="{F71F2A9C-24E3-18D9-BA40-8C4E79EA3633}"/>
-              </a:ext>
-            </a:extLst>
-          </p:cNvPr>
-          <p:cNvSpPr txBox="1"/>
-          <p:nvPr/>
-        </p:nvSpPr>
-        <p:spPr>
-          <a:xfrm>
-            <a:off x="6537289" y="2335937"/>
-            <a:ext cx="3185085" cy="1200329"/>
-          </a:xfrm>
-          <a:prstGeom prst="rect">
-            <a:avLst/>
-          </a:prstGeom>
-          <a:solidFill>
-            <a:schemeClr val="bg1"/>
-          </a:solidFill>
-        </p:spPr>
-        <p:txBody>
-          <a:bodyPr wrap="square" rtlCol="0">
-            <a:spAutoFit/>
-          </a:bodyPr>
-          <a:lstStyle/>
-          <a:p>
-            <a:r>
-              <a:rPr lang="en-US" dirty="0"/>
-              <a:t>5/27, 5/28, 5/29, 5/30, 5/31, 6/5, 6/10, 6/11, 6/12, 6/13, 6/14, 6/24, 6/28, 7/1, 7/2, 7/3, 7/4, 7/5, 7/8, 7/12</a:t>
-            </a:r>
-          </a:p>
-        </p:txBody>
-      </p:sp>
-    </p:spTree>
-    <p:extLst>
-      <p:ext uri="{BB962C8B-B14F-4D97-AF65-F5344CB8AC3E}">
-        <p14:creationId xmlns:p14="http://schemas.microsoft.com/office/powerpoint/2010/main" val="3078940450"/>
-      </p:ext>
-    </p:extLst>
-  </p:cSld>
-  <p:clrMapOvr>
-    <a:masterClrMapping/>
-  </p:clrMapOvr>
-</p:sld>
-</file>
-
-<file path=ppt/slides/slide2.xml><?xml version="1.0" encoding="utf-8"?>
 <p:sld xmlns:a="http://schemas.openxmlformats.org/drawingml/2006/main" xmlns:r="http://schemas.openxmlformats.org/officeDocument/2006/relationships" xmlns:p="http://schemas.openxmlformats.org/presentationml/2006/main">
   <p:cSld>
     <p:spTree>

--- a/Dates-Map.pptx
+++ b/Dates-Map.pptx
@@ -6,6 +6,7 @@
   </p:sldMasterIdLst>
   <p:sldIdLst>
     <p:sldId id="257" r:id="rId2"/>
+    <p:sldId id="258" r:id="rId3"/>
   </p:sldIdLst>
   <p:sldSz cx="12192000" cy="6858000"/>
   <p:notesSz cx="6858000" cy="9144000"/>
@@ -259,7 +260,7 @@
           <a:p>
             <a:fld id="{ADBB087F-FCD5-4FD6-813D-50A7DEA3ADAE}" type="datetimeFigureOut">
               <a:rPr lang="en-US" smtClean="0"/>
-              <a:t>5/23/2024</a:t>
+              <a:t>6/2/2024</a:t>
             </a:fld>
             <a:endParaRPr lang="en-US"/>
           </a:p>
@@ -457,7 +458,7 @@
           <a:p>
             <a:fld id="{ADBB087F-FCD5-4FD6-813D-50A7DEA3ADAE}" type="datetimeFigureOut">
               <a:rPr lang="en-US" smtClean="0"/>
-              <a:t>5/23/2024</a:t>
+              <a:t>6/2/2024</a:t>
             </a:fld>
             <a:endParaRPr lang="en-US"/>
           </a:p>
@@ -665,7 +666,7 @@
           <a:p>
             <a:fld id="{ADBB087F-FCD5-4FD6-813D-50A7DEA3ADAE}" type="datetimeFigureOut">
               <a:rPr lang="en-US" smtClean="0"/>
-              <a:t>5/23/2024</a:t>
+              <a:t>6/2/2024</a:t>
             </a:fld>
             <a:endParaRPr lang="en-US"/>
           </a:p>
@@ -863,7 +864,7 @@
           <a:p>
             <a:fld id="{ADBB087F-FCD5-4FD6-813D-50A7DEA3ADAE}" type="datetimeFigureOut">
               <a:rPr lang="en-US" smtClean="0"/>
-              <a:t>5/23/2024</a:t>
+              <a:t>6/2/2024</a:t>
             </a:fld>
             <a:endParaRPr lang="en-US"/>
           </a:p>
@@ -1138,7 +1139,7 @@
           <a:p>
             <a:fld id="{ADBB087F-FCD5-4FD6-813D-50A7DEA3ADAE}" type="datetimeFigureOut">
               <a:rPr lang="en-US" smtClean="0"/>
-              <a:t>5/23/2024</a:t>
+              <a:t>6/2/2024</a:t>
             </a:fld>
             <a:endParaRPr lang="en-US"/>
           </a:p>
@@ -1403,7 +1404,7 @@
           <a:p>
             <a:fld id="{ADBB087F-FCD5-4FD6-813D-50A7DEA3ADAE}" type="datetimeFigureOut">
               <a:rPr lang="en-US" smtClean="0"/>
-              <a:t>5/23/2024</a:t>
+              <a:t>6/2/2024</a:t>
             </a:fld>
             <a:endParaRPr lang="en-US"/>
           </a:p>
@@ -1815,7 +1816,7 @@
           <a:p>
             <a:fld id="{ADBB087F-FCD5-4FD6-813D-50A7DEA3ADAE}" type="datetimeFigureOut">
               <a:rPr lang="en-US" smtClean="0"/>
-              <a:t>5/23/2024</a:t>
+              <a:t>6/2/2024</a:t>
             </a:fld>
             <a:endParaRPr lang="en-US"/>
           </a:p>
@@ -1956,7 +1957,7 @@
           <a:p>
             <a:fld id="{ADBB087F-FCD5-4FD6-813D-50A7DEA3ADAE}" type="datetimeFigureOut">
               <a:rPr lang="en-US" smtClean="0"/>
-              <a:t>5/23/2024</a:t>
+              <a:t>6/2/2024</a:t>
             </a:fld>
             <a:endParaRPr lang="en-US"/>
           </a:p>
@@ -2069,7 +2070,7 @@
           <a:p>
             <a:fld id="{ADBB087F-FCD5-4FD6-813D-50A7DEA3ADAE}" type="datetimeFigureOut">
               <a:rPr lang="en-US" smtClean="0"/>
-              <a:t>5/23/2024</a:t>
+              <a:t>6/2/2024</a:t>
             </a:fld>
             <a:endParaRPr lang="en-US"/>
           </a:p>
@@ -2380,7 +2381,7 @@
           <a:p>
             <a:fld id="{ADBB087F-FCD5-4FD6-813D-50A7DEA3ADAE}" type="datetimeFigureOut">
               <a:rPr lang="en-US" smtClean="0"/>
-              <a:t>5/23/2024</a:t>
+              <a:t>6/2/2024</a:t>
             </a:fld>
             <a:endParaRPr lang="en-US"/>
           </a:p>
@@ -2668,7 +2669,7 @@
           <a:p>
             <a:fld id="{ADBB087F-FCD5-4FD6-813D-50A7DEA3ADAE}" type="datetimeFigureOut">
               <a:rPr lang="en-US" smtClean="0"/>
-              <a:t>5/23/2024</a:t>
+              <a:t>6/2/2024</a:t>
             </a:fld>
             <a:endParaRPr lang="en-US"/>
           </a:p>
@@ -2909,7 +2910,7 @@
           <a:p>
             <a:fld id="{ADBB087F-FCD5-4FD6-813D-50A7DEA3ADAE}" type="datetimeFigureOut">
               <a:rPr lang="en-US" smtClean="0"/>
-              <a:t>5/23/2024</a:t>
+              <a:t>6/2/2024</a:t>
             </a:fld>
             <a:endParaRPr lang="en-US"/>
           </a:p>
@@ -5077,6 +5078,1783 @@
     <p:extLst>
       <p:ext uri="{BB962C8B-B14F-4D97-AF65-F5344CB8AC3E}">
         <p14:creationId xmlns:p14="http://schemas.microsoft.com/office/powerpoint/2010/main" val="2261420583"/>
+      </p:ext>
+    </p:extLst>
+  </p:cSld>
+  <p:clrMapOvr>
+    <a:masterClrMapping/>
+  </p:clrMapOvr>
+</p:sld>
+</file>
+
+<file path=ppt/slides/slide2.xml><?xml version="1.0" encoding="utf-8"?>
+<p:sld xmlns:a="http://schemas.openxmlformats.org/drawingml/2006/main" xmlns:r="http://schemas.openxmlformats.org/officeDocument/2006/relationships" xmlns:p="http://schemas.openxmlformats.org/presentationml/2006/main">
+  <p:cSld>
+    <p:spTree>
+      <p:nvGrpSpPr>
+        <p:cNvPr id="1" name=""/>
+        <p:cNvGrpSpPr/>
+        <p:nvPr/>
+      </p:nvGrpSpPr>
+      <p:grpSpPr>
+        <a:xfrm>
+          <a:off x="0" y="0"/>
+          <a:ext cx="0" cy="0"/>
+          <a:chOff x="0" y="0"/>
+          <a:chExt cx="0" cy="0"/>
+        </a:xfrm>
+      </p:grpSpPr>
+      <p:pic>
+        <p:nvPicPr>
+          <p:cNvPr id="3" name="Picture 2">
+            <a:extLst>
+              <a:ext uri="{FF2B5EF4-FFF2-40B4-BE49-F238E27FC236}">
+                <a16:creationId xmlns:a16="http://schemas.microsoft.com/office/drawing/2014/main" id="{52A4D3EC-BFF7-53C5-E455-C428FBA82210}"/>
+              </a:ext>
+            </a:extLst>
+          </p:cNvPr>
+          <p:cNvPicPr>
+            <a:picLocks noChangeAspect="1"/>
+          </p:cNvPicPr>
+          <p:nvPr/>
+        </p:nvPicPr>
+        <p:blipFill>
+          <a:blip r:embed="rId2"/>
+          <a:stretch>
+            <a:fillRect/>
+          </a:stretch>
+        </p:blipFill>
+        <p:spPr>
+          <a:xfrm>
+            <a:off x="167876" y="1838491"/>
+            <a:ext cx="11626258" cy="2532341"/>
+          </a:xfrm>
+          <a:prstGeom prst="rect">
+            <a:avLst/>
+          </a:prstGeom>
+        </p:spPr>
+      </p:pic>
+      <p:cxnSp>
+        <p:nvCxnSpPr>
+          <p:cNvPr id="7" name="Straight Connector 6">
+            <a:extLst>
+              <a:ext uri="{FF2B5EF4-FFF2-40B4-BE49-F238E27FC236}">
+                <a16:creationId xmlns:a16="http://schemas.microsoft.com/office/drawing/2014/main" id="{211F23B8-60F9-3C7F-6EC3-0BE86E5572B7}"/>
+              </a:ext>
+            </a:extLst>
+          </p:cNvPr>
+          <p:cNvCxnSpPr/>
+          <p:nvPr/>
+        </p:nvCxnSpPr>
+        <p:spPr>
+          <a:xfrm flipV="1">
+            <a:off x="4612474" y="2898140"/>
+            <a:ext cx="99060" cy="96520"/>
+          </a:xfrm>
+          <a:prstGeom prst="line">
+            <a:avLst/>
+          </a:prstGeom>
+          <a:ln>
+            <a:solidFill>
+              <a:srgbClr val="FF0000"/>
+            </a:solidFill>
+          </a:ln>
+        </p:spPr>
+        <p:style>
+          <a:lnRef idx="1">
+            <a:schemeClr val="accent1"/>
+          </a:lnRef>
+          <a:fillRef idx="0">
+            <a:schemeClr val="accent1"/>
+          </a:fillRef>
+          <a:effectRef idx="0">
+            <a:schemeClr val="accent1"/>
+          </a:effectRef>
+          <a:fontRef idx="minor">
+            <a:schemeClr val="tx1"/>
+          </a:fontRef>
+        </p:style>
+      </p:cxnSp>
+      <p:cxnSp>
+        <p:nvCxnSpPr>
+          <p:cNvPr id="8" name="Straight Connector 7">
+            <a:extLst>
+              <a:ext uri="{FF2B5EF4-FFF2-40B4-BE49-F238E27FC236}">
+                <a16:creationId xmlns:a16="http://schemas.microsoft.com/office/drawing/2014/main" id="{FCD4CEA4-4C8D-C14A-F833-FF0D2D2625B0}"/>
+              </a:ext>
+            </a:extLst>
+          </p:cNvPr>
+          <p:cNvCxnSpPr>
+            <a:cxnSpLocks/>
+          </p:cNvCxnSpPr>
+          <p:nvPr/>
+        </p:nvCxnSpPr>
+        <p:spPr>
+          <a:xfrm flipH="1" flipV="1">
+            <a:off x="4603584" y="2898140"/>
+            <a:ext cx="107950" cy="96520"/>
+          </a:xfrm>
+          <a:prstGeom prst="line">
+            <a:avLst/>
+          </a:prstGeom>
+          <a:ln>
+            <a:solidFill>
+              <a:srgbClr val="FF0000"/>
+            </a:solidFill>
+          </a:ln>
+        </p:spPr>
+        <p:style>
+          <a:lnRef idx="1">
+            <a:schemeClr val="accent1"/>
+          </a:lnRef>
+          <a:fillRef idx="0">
+            <a:schemeClr val="accent1"/>
+          </a:fillRef>
+          <a:effectRef idx="0">
+            <a:schemeClr val="accent1"/>
+          </a:effectRef>
+          <a:fontRef idx="minor">
+            <a:schemeClr val="tx1"/>
+          </a:fontRef>
+        </p:style>
+      </p:cxnSp>
+      <p:cxnSp>
+        <p:nvCxnSpPr>
+          <p:cNvPr id="12" name="Straight Connector 11">
+            <a:extLst>
+              <a:ext uri="{FF2B5EF4-FFF2-40B4-BE49-F238E27FC236}">
+                <a16:creationId xmlns:a16="http://schemas.microsoft.com/office/drawing/2014/main" id="{BD114C0D-C2EC-974F-8DC6-98A3C8E81574}"/>
+              </a:ext>
+            </a:extLst>
+          </p:cNvPr>
+          <p:cNvCxnSpPr/>
+          <p:nvPr/>
+        </p:nvCxnSpPr>
+        <p:spPr>
+          <a:xfrm flipV="1">
+            <a:off x="4612474" y="3055620"/>
+            <a:ext cx="99060" cy="96520"/>
+          </a:xfrm>
+          <a:prstGeom prst="line">
+            <a:avLst/>
+          </a:prstGeom>
+          <a:ln>
+            <a:solidFill>
+              <a:srgbClr val="FF0000"/>
+            </a:solidFill>
+          </a:ln>
+        </p:spPr>
+        <p:style>
+          <a:lnRef idx="1">
+            <a:schemeClr val="accent1"/>
+          </a:lnRef>
+          <a:fillRef idx="0">
+            <a:schemeClr val="accent1"/>
+          </a:fillRef>
+          <a:effectRef idx="0">
+            <a:schemeClr val="accent1"/>
+          </a:effectRef>
+          <a:fontRef idx="minor">
+            <a:schemeClr val="tx1"/>
+          </a:fontRef>
+        </p:style>
+      </p:cxnSp>
+      <p:cxnSp>
+        <p:nvCxnSpPr>
+          <p:cNvPr id="13" name="Straight Connector 12">
+            <a:extLst>
+              <a:ext uri="{FF2B5EF4-FFF2-40B4-BE49-F238E27FC236}">
+                <a16:creationId xmlns:a16="http://schemas.microsoft.com/office/drawing/2014/main" id="{5B5193EA-C66D-D7C2-0EBB-445DB3E064FE}"/>
+              </a:ext>
+            </a:extLst>
+          </p:cNvPr>
+          <p:cNvCxnSpPr>
+            <a:cxnSpLocks/>
+          </p:cNvCxnSpPr>
+          <p:nvPr/>
+        </p:nvCxnSpPr>
+        <p:spPr>
+          <a:xfrm flipH="1" flipV="1">
+            <a:off x="4603584" y="3055620"/>
+            <a:ext cx="107950" cy="96520"/>
+          </a:xfrm>
+          <a:prstGeom prst="line">
+            <a:avLst/>
+          </a:prstGeom>
+          <a:ln>
+            <a:solidFill>
+              <a:srgbClr val="FF0000"/>
+            </a:solidFill>
+          </a:ln>
+        </p:spPr>
+        <p:style>
+          <a:lnRef idx="1">
+            <a:schemeClr val="accent1"/>
+          </a:lnRef>
+          <a:fillRef idx="0">
+            <a:schemeClr val="accent1"/>
+          </a:fillRef>
+          <a:effectRef idx="0">
+            <a:schemeClr val="accent1"/>
+          </a:effectRef>
+          <a:fontRef idx="minor">
+            <a:schemeClr val="tx1"/>
+          </a:fontRef>
+        </p:style>
+      </p:cxnSp>
+      <p:cxnSp>
+        <p:nvCxnSpPr>
+          <p:cNvPr id="14" name="Straight Connector 13">
+            <a:extLst>
+              <a:ext uri="{FF2B5EF4-FFF2-40B4-BE49-F238E27FC236}">
+                <a16:creationId xmlns:a16="http://schemas.microsoft.com/office/drawing/2014/main" id="{A7965362-02E0-277D-894B-57B55DD48EDF}"/>
+              </a:ext>
+            </a:extLst>
+          </p:cNvPr>
+          <p:cNvCxnSpPr/>
+          <p:nvPr/>
+        </p:nvCxnSpPr>
+        <p:spPr>
+          <a:xfrm flipV="1">
+            <a:off x="4621364" y="3213100"/>
+            <a:ext cx="99060" cy="96520"/>
+          </a:xfrm>
+          <a:prstGeom prst="line">
+            <a:avLst/>
+          </a:prstGeom>
+          <a:ln>
+            <a:solidFill>
+              <a:srgbClr val="FF0000"/>
+            </a:solidFill>
+          </a:ln>
+        </p:spPr>
+        <p:style>
+          <a:lnRef idx="1">
+            <a:schemeClr val="accent1"/>
+          </a:lnRef>
+          <a:fillRef idx="0">
+            <a:schemeClr val="accent1"/>
+          </a:fillRef>
+          <a:effectRef idx="0">
+            <a:schemeClr val="accent1"/>
+          </a:effectRef>
+          <a:fontRef idx="minor">
+            <a:schemeClr val="tx1"/>
+          </a:fontRef>
+        </p:style>
+      </p:cxnSp>
+      <p:cxnSp>
+        <p:nvCxnSpPr>
+          <p:cNvPr id="15" name="Straight Connector 14">
+            <a:extLst>
+              <a:ext uri="{FF2B5EF4-FFF2-40B4-BE49-F238E27FC236}">
+                <a16:creationId xmlns:a16="http://schemas.microsoft.com/office/drawing/2014/main" id="{D7E10B04-209F-34F1-4C13-72D4A3A16E7B}"/>
+              </a:ext>
+            </a:extLst>
+          </p:cNvPr>
+          <p:cNvCxnSpPr>
+            <a:cxnSpLocks/>
+          </p:cNvCxnSpPr>
+          <p:nvPr/>
+        </p:nvCxnSpPr>
+        <p:spPr>
+          <a:xfrm flipH="1" flipV="1">
+            <a:off x="4612474" y="3213100"/>
+            <a:ext cx="107950" cy="96520"/>
+          </a:xfrm>
+          <a:prstGeom prst="line">
+            <a:avLst/>
+          </a:prstGeom>
+          <a:ln>
+            <a:solidFill>
+              <a:srgbClr val="FF0000"/>
+            </a:solidFill>
+          </a:ln>
+        </p:spPr>
+        <p:style>
+          <a:lnRef idx="1">
+            <a:schemeClr val="accent1"/>
+          </a:lnRef>
+          <a:fillRef idx="0">
+            <a:schemeClr val="accent1"/>
+          </a:fillRef>
+          <a:effectRef idx="0">
+            <a:schemeClr val="accent1"/>
+          </a:effectRef>
+          <a:fontRef idx="minor">
+            <a:schemeClr val="tx1"/>
+          </a:fontRef>
+        </p:style>
+      </p:cxnSp>
+      <p:cxnSp>
+        <p:nvCxnSpPr>
+          <p:cNvPr id="16" name="Straight Connector 15">
+            <a:extLst>
+              <a:ext uri="{FF2B5EF4-FFF2-40B4-BE49-F238E27FC236}">
+                <a16:creationId xmlns:a16="http://schemas.microsoft.com/office/drawing/2014/main" id="{7C08695A-82FF-9EB5-764A-4B95C75BB4DD}"/>
+              </a:ext>
+            </a:extLst>
+          </p:cNvPr>
+          <p:cNvCxnSpPr/>
+          <p:nvPr/>
+        </p:nvCxnSpPr>
+        <p:spPr>
+          <a:xfrm flipV="1">
+            <a:off x="4612474" y="3370580"/>
+            <a:ext cx="99060" cy="96520"/>
+          </a:xfrm>
+          <a:prstGeom prst="line">
+            <a:avLst/>
+          </a:prstGeom>
+          <a:ln>
+            <a:solidFill>
+              <a:srgbClr val="FF0000"/>
+            </a:solidFill>
+          </a:ln>
+        </p:spPr>
+        <p:style>
+          <a:lnRef idx="1">
+            <a:schemeClr val="accent1"/>
+          </a:lnRef>
+          <a:fillRef idx="0">
+            <a:schemeClr val="accent1"/>
+          </a:fillRef>
+          <a:effectRef idx="0">
+            <a:schemeClr val="accent1"/>
+          </a:effectRef>
+          <a:fontRef idx="minor">
+            <a:schemeClr val="tx1"/>
+          </a:fontRef>
+        </p:style>
+      </p:cxnSp>
+      <p:cxnSp>
+        <p:nvCxnSpPr>
+          <p:cNvPr id="17" name="Straight Connector 16">
+            <a:extLst>
+              <a:ext uri="{FF2B5EF4-FFF2-40B4-BE49-F238E27FC236}">
+                <a16:creationId xmlns:a16="http://schemas.microsoft.com/office/drawing/2014/main" id="{E3ACC8D5-49AD-2A13-C5B3-889059244471}"/>
+              </a:ext>
+            </a:extLst>
+          </p:cNvPr>
+          <p:cNvCxnSpPr>
+            <a:cxnSpLocks/>
+          </p:cNvCxnSpPr>
+          <p:nvPr/>
+        </p:nvCxnSpPr>
+        <p:spPr>
+          <a:xfrm flipH="1" flipV="1">
+            <a:off x="4603584" y="3370580"/>
+            <a:ext cx="107950" cy="96520"/>
+          </a:xfrm>
+          <a:prstGeom prst="line">
+            <a:avLst/>
+          </a:prstGeom>
+          <a:ln>
+            <a:solidFill>
+              <a:srgbClr val="FF0000"/>
+            </a:solidFill>
+          </a:ln>
+        </p:spPr>
+        <p:style>
+          <a:lnRef idx="1">
+            <a:schemeClr val="accent1"/>
+          </a:lnRef>
+          <a:fillRef idx="0">
+            <a:schemeClr val="accent1"/>
+          </a:fillRef>
+          <a:effectRef idx="0">
+            <a:schemeClr val="accent1"/>
+          </a:effectRef>
+          <a:fontRef idx="minor">
+            <a:schemeClr val="tx1"/>
+          </a:fontRef>
+        </p:style>
+      </p:cxnSp>
+      <p:cxnSp>
+        <p:nvCxnSpPr>
+          <p:cNvPr id="18" name="Straight Connector 17">
+            <a:extLst>
+              <a:ext uri="{FF2B5EF4-FFF2-40B4-BE49-F238E27FC236}">
+                <a16:creationId xmlns:a16="http://schemas.microsoft.com/office/drawing/2014/main" id="{C4AA9FE2-E0ED-CF84-6821-0B9CABF9EC2D}"/>
+              </a:ext>
+            </a:extLst>
+          </p:cNvPr>
+          <p:cNvCxnSpPr/>
+          <p:nvPr/>
+        </p:nvCxnSpPr>
+        <p:spPr>
+          <a:xfrm flipV="1">
+            <a:off x="4612474" y="3541456"/>
+            <a:ext cx="99060" cy="96520"/>
+          </a:xfrm>
+          <a:prstGeom prst="line">
+            <a:avLst/>
+          </a:prstGeom>
+          <a:ln>
+            <a:solidFill>
+              <a:srgbClr val="FF0000"/>
+            </a:solidFill>
+          </a:ln>
+        </p:spPr>
+        <p:style>
+          <a:lnRef idx="1">
+            <a:schemeClr val="accent1"/>
+          </a:lnRef>
+          <a:fillRef idx="0">
+            <a:schemeClr val="accent1"/>
+          </a:fillRef>
+          <a:effectRef idx="0">
+            <a:schemeClr val="accent1"/>
+          </a:effectRef>
+          <a:fontRef idx="minor">
+            <a:schemeClr val="tx1"/>
+          </a:fontRef>
+        </p:style>
+      </p:cxnSp>
+      <p:cxnSp>
+        <p:nvCxnSpPr>
+          <p:cNvPr id="19" name="Straight Connector 18">
+            <a:extLst>
+              <a:ext uri="{FF2B5EF4-FFF2-40B4-BE49-F238E27FC236}">
+                <a16:creationId xmlns:a16="http://schemas.microsoft.com/office/drawing/2014/main" id="{47C92729-84CA-AE5A-F0A2-5417A31A5F97}"/>
+              </a:ext>
+            </a:extLst>
+          </p:cNvPr>
+          <p:cNvCxnSpPr>
+            <a:cxnSpLocks/>
+          </p:cNvCxnSpPr>
+          <p:nvPr/>
+        </p:nvCxnSpPr>
+        <p:spPr>
+          <a:xfrm flipH="1" flipV="1">
+            <a:off x="4603584" y="3541456"/>
+            <a:ext cx="107950" cy="96520"/>
+          </a:xfrm>
+          <a:prstGeom prst="line">
+            <a:avLst/>
+          </a:prstGeom>
+          <a:ln>
+            <a:solidFill>
+              <a:srgbClr val="FF0000"/>
+            </a:solidFill>
+          </a:ln>
+        </p:spPr>
+        <p:style>
+          <a:lnRef idx="1">
+            <a:schemeClr val="accent1"/>
+          </a:lnRef>
+          <a:fillRef idx="0">
+            <a:schemeClr val="accent1"/>
+          </a:fillRef>
+          <a:effectRef idx="0">
+            <a:schemeClr val="accent1"/>
+          </a:effectRef>
+          <a:fontRef idx="minor">
+            <a:schemeClr val="tx1"/>
+          </a:fontRef>
+        </p:style>
+      </p:cxnSp>
+      <p:cxnSp>
+        <p:nvCxnSpPr>
+          <p:cNvPr id="20" name="Straight Connector 19">
+            <a:extLst>
+              <a:ext uri="{FF2B5EF4-FFF2-40B4-BE49-F238E27FC236}">
+                <a16:creationId xmlns:a16="http://schemas.microsoft.com/office/drawing/2014/main" id="{CAC1FCC1-1E43-ED08-BC3D-19ADC16D9354}"/>
+              </a:ext>
+            </a:extLst>
+          </p:cNvPr>
+          <p:cNvCxnSpPr/>
+          <p:nvPr/>
+        </p:nvCxnSpPr>
+        <p:spPr>
+          <a:xfrm flipV="1">
+            <a:off x="4780114" y="3213100"/>
+            <a:ext cx="99060" cy="96520"/>
+          </a:xfrm>
+          <a:prstGeom prst="line">
+            <a:avLst/>
+          </a:prstGeom>
+          <a:ln>
+            <a:solidFill>
+              <a:srgbClr val="FF0000"/>
+            </a:solidFill>
+          </a:ln>
+        </p:spPr>
+        <p:style>
+          <a:lnRef idx="1">
+            <a:schemeClr val="accent1"/>
+          </a:lnRef>
+          <a:fillRef idx="0">
+            <a:schemeClr val="accent1"/>
+          </a:fillRef>
+          <a:effectRef idx="0">
+            <a:schemeClr val="accent1"/>
+          </a:effectRef>
+          <a:fontRef idx="minor">
+            <a:schemeClr val="tx1"/>
+          </a:fontRef>
+        </p:style>
+      </p:cxnSp>
+      <p:cxnSp>
+        <p:nvCxnSpPr>
+          <p:cNvPr id="21" name="Straight Connector 20">
+            <a:extLst>
+              <a:ext uri="{FF2B5EF4-FFF2-40B4-BE49-F238E27FC236}">
+                <a16:creationId xmlns:a16="http://schemas.microsoft.com/office/drawing/2014/main" id="{55FFDE79-26C4-EFFA-2612-AFEF86315675}"/>
+              </a:ext>
+            </a:extLst>
+          </p:cNvPr>
+          <p:cNvCxnSpPr>
+            <a:cxnSpLocks/>
+          </p:cNvCxnSpPr>
+          <p:nvPr/>
+        </p:nvCxnSpPr>
+        <p:spPr>
+          <a:xfrm flipH="1" flipV="1">
+            <a:off x="4771224" y="3213100"/>
+            <a:ext cx="107950" cy="96520"/>
+          </a:xfrm>
+          <a:prstGeom prst="line">
+            <a:avLst/>
+          </a:prstGeom>
+          <a:ln>
+            <a:solidFill>
+              <a:srgbClr val="FF0000"/>
+            </a:solidFill>
+          </a:ln>
+        </p:spPr>
+        <p:style>
+          <a:lnRef idx="1">
+            <a:schemeClr val="accent1"/>
+          </a:lnRef>
+          <a:fillRef idx="0">
+            <a:schemeClr val="accent1"/>
+          </a:fillRef>
+          <a:effectRef idx="0">
+            <a:schemeClr val="accent1"/>
+          </a:effectRef>
+          <a:fontRef idx="minor">
+            <a:schemeClr val="tx1"/>
+          </a:fontRef>
+        </p:style>
+      </p:cxnSp>
+      <p:cxnSp>
+        <p:nvCxnSpPr>
+          <p:cNvPr id="22" name="Straight Connector 21">
+            <a:extLst>
+              <a:ext uri="{FF2B5EF4-FFF2-40B4-BE49-F238E27FC236}">
+                <a16:creationId xmlns:a16="http://schemas.microsoft.com/office/drawing/2014/main" id="{62CED793-AB9A-84C0-1C93-02DBBB03F1BC}"/>
+              </a:ext>
+            </a:extLst>
+          </p:cNvPr>
+          <p:cNvCxnSpPr/>
+          <p:nvPr/>
+        </p:nvCxnSpPr>
+        <p:spPr>
+          <a:xfrm flipV="1">
+            <a:off x="4922354" y="2898140"/>
+            <a:ext cx="99060" cy="96520"/>
+          </a:xfrm>
+          <a:prstGeom prst="line">
+            <a:avLst/>
+          </a:prstGeom>
+          <a:ln>
+            <a:solidFill>
+              <a:srgbClr val="FF0000"/>
+            </a:solidFill>
+          </a:ln>
+        </p:spPr>
+        <p:style>
+          <a:lnRef idx="1">
+            <a:schemeClr val="accent1"/>
+          </a:lnRef>
+          <a:fillRef idx="0">
+            <a:schemeClr val="accent1"/>
+          </a:fillRef>
+          <a:effectRef idx="0">
+            <a:schemeClr val="accent1"/>
+          </a:effectRef>
+          <a:fontRef idx="minor">
+            <a:schemeClr val="tx1"/>
+          </a:fontRef>
+        </p:style>
+      </p:cxnSp>
+      <p:cxnSp>
+        <p:nvCxnSpPr>
+          <p:cNvPr id="23" name="Straight Connector 22">
+            <a:extLst>
+              <a:ext uri="{FF2B5EF4-FFF2-40B4-BE49-F238E27FC236}">
+                <a16:creationId xmlns:a16="http://schemas.microsoft.com/office/drawing/2014/main" id="{21F156E6-C7F1-B9F6-DD87-E70894FEB441}"/>
+              </a:ext>
+            </a:extLst>
+          </p:cNvPr>
+          <p:cNvCxnSpPr>
+            <a:cxnSpLocks/>
+          </p:cNvCxnSpPr>
+          <p:nvPr/>
+        </p:nvCxnSpPr>
+        <p:spPr>
+          <a:xfrm flipH="1" flipV="1">
+            <a:off x="4913464" y="2898140"/>
+            <a:ext cx="107950" cy="96520"/>
+          </a:xfrm>
+          <a:prstGeom prst="line">
+            <a:avLst/>
+          </a:prstGeom>
+          <a:ln>
+            <a:solidFill>
+              <a:srgbClr val="FF0000"/>
+            </a:solidFill>
+          </a:ln>
+        </p:spPr>
+        <p:style>
+          <a:lnRef idx="1">
+            <a:schemeClr val="accent1"/>
+          </a:lnRef>
+          <a:fillRef idx="0">
+            <a:schemeClr val="accent1"/>
+          </a:fillRef>
+          <a:effectRef idx="0">
+            <a:schemeClr val="accent1"/>
+          </a:effectRef>
+          <a:fontRef idx="minor">
+            <a:schemeClr val="tx1"/>
+          </a:fontRef>
+        </p:style>
+      </p:cxnSp>
+      <p:cxnSp>
+        <p:nvCxnSpPr>
+          <p:cNvPr id="24" name="Straight Connector 23">
+            <a:extLst>
+              <a:ext uri="{FF2B5EF4-FFF2-40B4-BE49-F238E27FC236}">
+                <a16:creationId xmlns:a16="http://schemas.microsoft.com/office/drawing/2014/main" id="{A32992AE-4F5F-5B7A-C8F5-EF34EF684CE2}"/>
+              </a:ext>
+            </a:extLst>
+          </p:cNvPr>
+          <p:cNvCxnSpPr/>
+          <p:nvPr/>
+        </p:nvCxnSpPr>
+        <p:spPr>
+          <a:xfrm flipV="1">
+            <a:off x="4938864" y="3213100"/>
+            <a:ext cx="99060" cy="96520"/>
+          </a:xfrm>
+          <a:prstGeom prst="line">
+            <a:avLst/>
+          </a:prstGeom>
+          <a:ln>
+            <a:solidFill>
+              <a:srgbClr val="FF0000"/>
+            </a:solidFill>
+          </a:ln>
+        </p:spPr>
+        <p:style>
+          <a:lnRef idx="1">
+            <a:schemeClr val="accent1"/>
+          </a:lnRef>
+          <a:fillRef idx="0">
+            <a:schemeClr val="accent1"/>
+          </a:fillRef>
+          <a:effectRef idx="0">
+            <a:schemeClr val="accent1"/>
+          </a:effectRef>
+          <a:fontRef idx="minor">
+            <a:schemeClr val="tx1"/>
+          </a:fontRef>
+        </p:style>
+      </p:cxnSp>
+      <p:cxnSp>
+        <p:nvCxnSpPr>
+          <p:cNvPr id="25" name="Straight Connector 24">
+            <a:extLst>
+              <a:ext uri="{FF2B5EF4-FFF2-40B4-BE49-F238E27FC236}">
+                <a16:creationId xmlns:a16="http://schemas.microsoft.com/office/drawing/2014/main" id="{9BCEF2D3-C1A5-5CC8-2827-B8B35AA5E5B9}"/>
+              </a:ext>
+            </a:extLst>
+          </p:cNvPr>
+          <p:cNvCxnSpPr>
+            <a:cxnSpLocks/>
+          </p:cNvCxnSpPr>
+          <p:nvPr/>
+        </p:nvCxnSpPr>
+        <p:spPr>
+          <a:xfrm flipH="1" flipV="1">
+            <a:off x="4929974" y="3213100"/>
+            <a:ext cx="107950" cy="96520"/>
+          </a:xfrm>
+          <a:prstGeom prst="line">
+            <a:avLst/>
+          </a:prstGeom>
+          <a:ln>
+            <a:solidFill>
+              <a:srgbClr val="FF0000"/>
+            </a:solidFill>
+          </a:ln>
+        </p:spPr>
+        <p:style>
+          <a:lnRef idx="1">
+            <a:schemeClr val="accent1"/>
+          </a:lnRef>
+          <a:fillRef idx="0">
+            <a:schemeClr val="accent1"/>
+          </a:fillRef>
+          <a:effectRef idx="0">
+            <a:schemeClr val="accent1"/>
+          </a:effectRef>
+          <a:fontRef idx="minor">
+            <a:schemeClr val="tx1"/>
+          </a:fontRef>
+        </p:style>
+      </p:cxnSp>
+      <p:cxnSp>
+        <p:nvCxnSpPr>
+          <p:cNvPr id="26" name="Straight Connector 25">
+            <a:extLst>
+              <a:ext uri="{FF2B5EF4-FFF2-40B4-BE49-F238E27FC236}">
+                <a16:creationId xmlns:a16="http://schemas.microsoft.com/office/drawing/2014/main" id="{BEC8D617-E140-680F-5C8E-3E206F510A12}"/>
+              </a:ext>
+            </a:extLst>
+          </p:cNvPr>
+          <p:cNvCxnSpPr/>
+          <p:nvPr/>
+        </p:nvCxnSpPr>
+        <p:spPr>
+          <a:xfrm flipV="1">
+            <a:off x="4938864" y="3370580"/>
+            <a:ext cx="99060" cy="96520"/>
+          </a:xfrm>
+          <a:prstGeom prst="line">
+            <a:avLst/>
+          </a:prstGeom>
+          <a:ln>
+            <a:solidFill>
+              <a:srgbClr val="FF0000"/>
+            </a:solidFill>
+          </a:ln>
+        </p:spPr>
+        <p:style>
+          <a:lnRef idx="1">
+            <a:schemeClr val="accent1"/>
+          </a:lnRef>
+          <a:fillRef idx="0">
+            <a:schemeClr val="accent1"/>
+          </a:fillRef>
+          <a:effectRef idx="0">
+            <a:schemeClr val="accent1"/>
+          </a:effectRef>
+          <a:fontRef idx="minor">
+            <a:schemeClr val="tx1"/>
+          </a:fontRef>
+        </p:style>
+      </p:cxnSp>
+      <p:cxnSp>
+        <p:nvCxnSpPr>
+          <p:cNvPr id="27" name="Straight Connector 26">
+            <a:extLst>
+              <a:ext uri="{FF2B5EF4-FFF2-40B4-BE49-F238E27FC236}">
+                <a16:creationId xmlns:a16="http://schemas.microsoft.com/office/drawing/2014/main" id="{84CFDF95-8114-9820-E80E-8190254ABE5F}"/>
+              </a:ext>
+            </a:extLst>
+          </p:cNvPr>
+          <p:cNvCxnSpPr>
+            <a:cxnSpLocks/>
+          </p:cNvCxnSpPr>
+          <p:nvPr/>
+        </p:nvCxnSpPr>
+        <p:spPr>
+          <a:xfrm flipH="1" flipV="1">
+            <a:off x="4929974" y="3370580"/>
+            <a:ext cx="107950" cy="96520"/>
+          </a:xfrm>
+          <a:prstGeom prst="line">
+            <a:avLst/>
+          </a:prstGeom>
+          <a:ln>
+            <a:solidFill>
+              <a:srgbClr val="FF0000"/>
+            </a:solidFill>
+          </a:ln>
+        </p:spPr>
+        <p:style>
+          <a:lnRef idx="1">
+            <a:schemeClr val="accent1"/>
+          </a:lnRef>
+          <a:fillRef idx="0">
+            <a:schemeClr val="accent1"/>
+          </a:fillRef>
+          <a:effectRef idx="0">
+            <a:schemeClr val="accent1"/>
+          </a:effectRef>
+          <a:fontRef idx="minor">
+            <a:schemeClr val="tx1"/>
+          </a:fontRef>
+        </p:style>
+      </p:cxnSp>
+      <p:cxnSp>
+        <p:nvCxnSpPr>
+          <p:cNvPr id="28" name="Straight Connector 27">
+            <a:extLst>
+              <a:ext uri="{FF2B5EF4-FFF2-40B4-BE49-F238E27FC236}">
+                <a16:creationId xmlns:a16="http://schemas.microsoft.com/office/drawing/2014/main" id="{344DE15D-76B7-8B15-5461-D7D6F1F8D0D8}"/>
+              </a:ext>
+            </a:extLst>
+          </p:cNvPr>
+          <p:cNvCxnSpPr/>
+          <p:nvPr/>
+        </p:nvCxnSpPr>
+        <p:spPr>
+          <a:xfrm flipV="1">
+            <a:off x="4931244" y="3523676"/>
+            <a:ext cx="99060" cy="96520"/>
+          </a:xfrm>
+          <a:prstGeom prst="line">
+            <a:avLst/>
+          </a:prstGeom>
+          <a:ln>
+            <a:solidFill>
+              <a:srgbClr val="FF0000"/>
+            </a:solidFill>
+          </a:ln>
+        </p:spPr>
+        <p:style>
+          <a:lnRef idx="1">
+            <a:schemeClr val="accent1"/>
+          </a:lnRef>
+          <a:fillRef idx="0">
+            <a:schemeClr val="accent1"/>
+          </a:fillRef>
+          <a:effectRef idx="0">
+            <a:schemeClr val="accent1"/>
+          </a:effectRef>
+          <a:fontRef idx="minor">
+            <a:schemeClr val="tx1"/>
+          </a:fontRef>
+        </p:style>
+      </p:cxnSp>
+      <p:cxnSp>
+        <p:nvCxnSpPr>
+          <p:cNvPr id="29" name="Straight Connector 28">
+            <a:extLst>
+              <a:ext uri="{FF2B5EF4-FFF2-40B4-BE49-F238E27FC236}">
+                <a16:creationId xmlns:a16="http://schemas.microsoft.com/office/drawing/2014/main" id="{9B4C754B-C660-367F-FA74-43800A07D3C4}"/>
+              </a:ext>
+            </a:extLst>
+          </p:cNvPr>
+          <p:cNvCxnSpPr>
+            <a:cxnSpLocks/>
+          </p:cNvCxnSpPr>
+          <p:nvPr/>
+        </p:nvCxnSpPr>
+        <p:spPr>
+          <a:xfrm flipH="1" flipV="1">
+            <a:off x="4922354" y="3523676"/>
+            <a:ext cx="107950" cy="96520"/>
+          </a:xfrm>
+          <a:prstGeom prst="line">
+            <a:avLst/>
+          </a:prstGeom>
+          <a:ln>
+            <a:solidFill>
+              <a:srgbClr val="FF0000"/>
+            </a:solidFill>
+          </a:ln>
+        </p:spPr>
+        <p:style>
+          <a:lnRef idx="1">
+            <a:schemeClr val="accent1"/>
+          </a:lnRef>
+          <a:fillRef idx="0">
+            <a:schemeClr val="accent1"/>
+          </a:fillRef>
+          <a:effectRef idx="0">
+            <a:schemeClr val="accent1"/>
+          </a:effectRef>
+          <a:fontRef idx="minor">
+            <a:schemeClr val="tx1"/>
+          </a:fontRef>
+        </p:style>
+      </p:cxnSp>
+      <p:cxnSp>
+        <p:nvCxnSpPr>
+          <p:cNvPr id="30" name="Straight Connector 29">
+            <a:extLst>
+              <a:ext uri="{FF2B5EF4-FFF2-40B4-BE49-F238E27FC236}">
+                <a16:creationId xmlns:a16="http://schemas.microsoft.com/office/drawing/2014/main" id="{70CBD400-081C-DD45-8ACA-E45B454948FC}"/>
+              </a:ext>
+            </a:extLst>
+          </p:cNvPr>
+          <p:cNvCxnSpPr/>
+          <p:nvPr/>
+        </p:nvCxnSpPr>
+        <p:spPr>
+          <a:xfrm flipV="1">
+            <a:off x="4922354" y="3037840"/>
+            <a:ext cx="99060" cy="96520"/>
+          </a:xfrm>
+          <a:prstGeom prst="line">
+            <a:avLst/>
+          </a:prstGeom>
+          <a:ln>
+            <a:solidFill>
+              <a:srgbClr val="FF0000"/>
+            </a:solidFill>
+          </a:ln>
+        </p:spPr>
+        <p:style>
+          <a:lnRef idx="1">
+            <a:schemeClr val="accent1"/>
+          </a:lnRef>
+          <a:fillRef idx="0">
+            <a:schemeClr val="accent1"/>
+          </a:fillRef>
+          <a:effectRef idx="0">
+            <a:schemeClr val="accent1"/>
+          </a:effectRef>
+          <a:fontRef idx="minor">
+            <a:schemeClr val="tx1"/>
+          </a:fontRef>
+        </p:style>
+      </p:cxnSp>
+      <p:cxnSp>
+        <p:nvCxnSpPr>
+          <p:cNvPr id="31" name="Straight Connector 30">
+            <a:extLst>
+              <a:ext uri="{FF2B5EF4-FFF2-40B4-BE49-F238E27FC236}">
+                <a16:creationId xmlns:a16="http://schemas.microsoft.com/office/drawing/2014/main" id="{27B71132-46E2-11FE-1831-7A3B78C8CBF3}"/>
+              </a:ext>
+            </a:extLst>
+          </p:cNvPr>
+          <p:cNvCxnSpPr>
+            <a:cxnSpLocks/>
+          </p:cNvCxnSpPr>
+          <p:nvPr/>
+        </p:nvCxnSpPr>
+        <p:spPr>
+          <a:xfrm flipH="1" flipV="1">
+            <a:off x="4913464" y="3037840"/>
+            <a:ext cx="107950" cy="96520"/>
+          </a:xfrm>
+          <a:prstGeom prst="line">
+            <a:avLst/>
+          </a:prstGeom>
+          <a:ln>
+            <a:solidFill>
+              <a:srgbClr val="FF0000"/>
+            </a:solidFill>
+          </a:ln>
+        </p:spPr>
+        <p:style>
+          <a:lnRef idx="1">
+            <a:schemeClr val="accent1"/>
+          </a:lnRef>
+          <a:fillRef idx="0">
+            <a:schemeClr val="accent1"/>
+          </a:fillRef>
+          <a:effectRef idx="0">
+            <a:schemeClr val="accent1"/>
+          </a:effectRef>
+          <a:fontRef idx="minor">
+            <a:schemeClr val="tx1"/>
+          </a:fontRef>
+        </p:style>
+      </p:cxnSp>
+      <p:cxnSp>
+        <p:nvCxnSpPr>
+          <p:cNvPr id="32" name="Straight Connector 31">
+            <a:extLst>
+              <a:ext uri="{FF2B5EF4-FFF2-40B4-BE49-F238E27FC236}">
+                <a16:creationId xmlns:a16="http://schemas.microsoft.com/office/drawing/2014/main" id="{7AB784AE-97BD-F16F-50CE-4D94EF1FB45B}"/>
+              </a:ext>
+            </a:extLst>
+          </p:cNvPr>
+          <p:cNvCxnSpPr/>
+          <p:nvPr/>
+        </p:nvCxnSpPr>
+        <p:spPr>
+          <a:xfrm flipV="1">
+            <a:off x="5232234" y="2898140"/>
+            <a:ext cx="99060" cy="96520"/>
+          </a:xfrm>
+          <a:prstGeom prst="line">
+            <a:avLst/>
+          </a:prstGeom>
+          <a:ln>
+            <a:solidFill>
+              <a:srgbClr val="FF0000"/>
+            </a:solidFill>
+          </a:ln>
+        </p:spPr>
+        <p:style>
+          <a:lnRef idx="1">
+            <a:schemeClr val="accent1"/>
+          </a:lnRef>
+          <a:fillRef idx="0">
+            <a:schemeClr val="accent1"/>
+          </a:fillRef>
+          <a:effectRef idx="0">
+            <a:schemeClr val="accent1"/>
+          </a:effectRef>
+          <a:fontRef idx="minor">
+            <a:schemeClr val="tx1"/>
+          </a:fontRef>
+        </p:style>
+      </p:cxnSp>
+      <p:cxnSp>
+        <p:nvCxnSpPr>
+          <p:cNvPr id="33" name="Straight Connector 32">
+            <a:extLst>
+              <a:ext uri="{FF2B5EF4-FFF2-40B4-BE49-F238E27FC236}">
+                <a16:creationId xmlns:a16="http://schemas.microsoft.com/office/drawing/2014/main" id="{89FE34BB-A3E2-4996-8DDE-6FC8FC3DB67E}"/>
+              </a:ext>
+            </a:extLst>
+          </p:cNvPr>
+          <p:cNvCxnSpPr>
+            <a:cxnSpLocks/>
+          </p:cNvCxnSpPr>
+          <p:nvPr/>
+        </p:nvCxnSpPr>
+        <p:spPr>
+          <a:xfrm flipH="1" flipV="1">
+            <a:off x="5223344" y="2898140"/>
+            <a:ext cx="107950" cy="96520"/>
+          </a:xfrm>
+          <a:prstGeom prst="line">
+            <a:avLst/>
+          </a:prstGeom>
+          <a:ln>
+            <a:solidFill>
+              <a:srgbClr val="FF0000"/>
+            </a:solidFill>
+          </a:ln>
+        </p:spPr>
+        <p:style>
+          <a:lnRef idx="1">
+            <a:schemeClr val="accent1"/>
+          </a:lnRef>
+          <a:fillRef idx="0">
+            <a:schemeClr val="accent1"/>
+          </a:fillRef>
+          <a:effectRef idx="0">
+            <a:schemeClr val="accent1"/>
+          </a:effectRef>
+          <a:fontRef idx="minor">
+            <a:schemeClr val="tx1"/>
+          </a:fontRef>
+        </p:style>
+      </p:cxnSp>
+      <p:cxnSp>
+        <p:nvCxnSpPr>
+          <p:cNvPr id="34" name="Straight Connector 33">
+            <a:extLst>
+              <a:ext uri="{FF2B5EF4-FFF2-40B4-BE49-F238E27FC236}">
+                <a16:creationId xmlns:a16="http://schemas.microsoft.com/office/drawing/2014/main" id="{8AACA27D-49FC-A10E-24DA-88B2B6C852C6}"/>
+              </a:ext>
+            </a:extLst>
+          </p:cNvPr>
+          <p:cNvCxnSpPr/>
+          <p:nvPr/>
+        </p:nvCxnSpPr>
+        <p:spPr>
+          <a:xfrm flipV="1">
+            <a:off x="5389714" y="2898140"/>
+            <a:ext cx="99060" cy="96520"/>
+          </a:xfrm>
+          <a:prstGeom prst="line">
+            <a:avLst/>
+          </a:prstGeom>
+          <a:ln>
+            <a:solidFill>
+              <a:srgbClr val="FF0000"/>
+            </a:solidFill>
+          </a:ln>
+        </p:spPr>
+        <p:style>
+          <a:lnRef idx="1">
+            <a:schemeClr val="accent1"/>
+          </a:lnRef>
+          <a:fillRef idx="0">
+            <a:schemeClr val="accent1"/>
+          </a:fillRef>
+          <a:effectRef idx="0">
+            <a:schemeClr val="accent1"/>
+          </a:effectRef>
+          <a:fontRef idx="minor">
+            <a:schemeClr val="tx1"/>
+          </a:fontRef>
+        </p:style>
+      </p:cxnSp>
+      <p:cxnSp>
+        <p:nvCxnSpPr>
+          <p:cNvPr id="35" name="Straight Connector 34">
+            <a:extLst>
+              <a:ext uri="{FF2B5EF4-FFF2-40B4-BE49-F238E27FC236}">
+                <a16:creationId xmlns:a16="http://schemas.microsoft.com/office/drawing/2014/main" id="{920D6919-2E19-892B-4BFF-13DD6CC97CE7}"/>
+              </a:ext>
+            </a:extLst>
+          </p:cNvPr>
+          <p:cNvCxnSpPr>
+            <a:cxnSpLocks/>
+          </p:cNvCxnSpPr>
+          <p:nvPr/>
+        </p:nvCxnSpPr>
+        <p:spPr>
+          <a:xfrm flipH="1" flipV="1">
+            <a:off x="5380824" y="2898140"/>
+            <a:ext cx="107950" cy="96520"/>
+          </a:xfrm>
+          <a:prstGeom prst="line">
+            <a:avLst/>
+          </a:prstGeom>
+          <a:ln>
+            <a:solidFill>
+              <a:srgbClr val="FF0000"/>
+            </a:solidFill>
+          </a:ln>
+        </p:spPr>
+        <p:style>
+          <a:lnRef idx="1">
+            <a:schemeClr val="accent1"/>
+          </a:lnRef>
+          <a:fillRef idx="0">
+            <a:schemeClr val="accent1"/>
+          </a:fillRef>
+          <a:effectRef idx="0">
+            <a:schemeClr val="accent1"/>
+          </a:effectRef>
+          <a:fontRef idx="minor">
+            <a:schemeClr val="tx1"/>
+          </a:fontRef>
+        </p:style>
+      </p:cxnSp>
+      <p:cxnSp>
+        <p:nvCxnSpPr>
+          <p:cNvPr id="36" name="Straight Connector 35">
+            <a:extLst>
+              <a:ext uri="{FF2B5EF4-FFF2-40B4-BE49-F238E27FC236}">
+                <a16:creationId xmlns:a16="http://schemas.microsoft.com/office/drawing/2014/main" id="{8DD62CB1-B2D5-7C4B-30E2-91C93BF97521}"/>
+              </a:ext>
+            </a:extLst>
+          </p:cNvPr>
+          <p:cNvCxnSpPr/>
+          <p:nvPr/>
+        </p:nvCxnSpPr>
+        <p:spPr>
+          <a:xfrm flipV="1">
+            <a:off x="5542114" y="2898140"/>
+            <a:ext cx="99060" cy="96520"/>
+          </a:xfrm>
+          <a:prstGeom prst="line">
+            <a:avLst/>
+          </a:prstGeom>
+          <a:ln>
+            <a:solidFill>
+              <a:srgbClr val="FF0000"/>
+            </a:solidFill>
+          </a:ln>
+        </p:spPr>
+        <p:style>
+          <a:lnRef idx="1">
+            <a:schemeClr val="accent1"/>
+          </a:lnRef>
+          <a:fillRef idx="0">
+            <a:schemeClr val="accent1"/>
+          </a:fillRef>
+          <a:effectRef idx="0">
+            <a:schemeClr val="accent1"/>
+          </a:effectRef>
+          <a:fontRef idx="minor">
+            <a:schemeClr val="tx1"/>
+          </a:fontRef>
+        </p:style>
+      </p:cxnSp>
+      <p:cxnSp>
+        <p:nvCxnSpPr>
+          <p:cNvPr id="37" name="Straight Connector 36">
+            <a:extLst>
+              <a:ext uri="{FF2B5EF4-FFF2-40B4-BE49-F238E27FC236}">
+                <a16:creationId xmlns:a16="http://schemas.microsoft.com/office/drawing/2014/main" id="{D18855B2-1AAB-0ED2-42F6-F6D1C58003A3}"/>
+              </a:ext>
+            </a:extLst>
+          </p:cNvPr>
+          <p:cNvCxnSpPr>
+            <a:cxnSpLocks/>
+          </p:cNvCxnSpPr>
+          <p:nvPr/>
+        </p:nvCxnSpPr>
+        <p:spPr>
+          <a:xfrm flipH="1" flipV="1">
+            <a:off x="5533224" y="2898140"/>
+            <a:ext cx="107950" cy="96520"/>
+          </a:xfrm>
+          <a:prstGeom prst="line">
+            <a:avLst/>
+          </a:prstGeom>
+          <a:ln>
+            <a:solidFill>
+              <a:srgbClr val="FF0000"/>
+            </a:solidFill>
+          </a:ln>
+        </p:spPr>
+        <p:style>
+          <a:lnRef idx="1">
+            <a:schemeClr val="accent1"/>
+          </a:lnRef>
+          <a:fillRef idx="0">
+            <a:schemeClr val="accent1"/>
+          </a:fillRef>
+          <a:effectRef idx="0">
+            <a:schemeClr val="accent1"/>
+          </a:effectRef>
+          <a:fontRef idx="minor">
+            <a:schemeClr val="tx1"/>
+          </a:fontRef>
+        </p:style>
+      </p:cxnSp>
+      <p:cxnSp>
+        <p:nvCxnSpPr>
+          <p:cNvPr id="38" name="Straight Connector 37">
+            <a:extLst>
+              <a:ext uri="{FF2B5EF4-FFF2-40B4-BE49-F238E27FC236}">
+                <a16:creationId xmlns:a16="http://schemas.microsoft.com/office/drawing/2014/main" id="{BEC429D3-857E-AFBB-3FF5-E15B5542E825}"/>
+              </a:ext>
+            </a:extLst>
+          </p:cNvPr>
+          <p:cNvCxnSpPr/>
+          <p:nvPr/>
+        </p:nvCxnSpPr>
+        <p:spPr>
+          <a:xfrm flipV="1">
+            <a:off x="5232234" y="3523676"/>
+            <a:ext cx="99060" cy="96520"/>
+          </a:xfrm>
+          <a:prstGeom prst="line">
+            <a:avLst/>
+          </a:prstGeom>
+          <a:ln>
+            <a:solidFill>
+              <a:srgbClr val="FF0000"/>
+            </a:solidFill>
+          </a:ln>
+        </p:spPr>
+        <p:style>
+          <a:lnRef idx="1">
+            <a:schemeClr val="accent1"/>
+          </a:lnRef>
+          <a:fillRef idx="0">
+            <a:schemeClr val="accent1"/>
+          </a:fillRef>
+          <a:effectRef idx="0">
+            <a:schemeClr val="accent1"/>
+          </a:effectRef>
+          <a:fontRef idx="minor">
+            <a:schemeClr val="tx1"/>
+          </a:fontRef>
+        </p:style>
+      </p:cxnSp>
+      <p:cxnSp>
+        <p:nvCxnSpPr>
+          <p:cNvPr id="39" name="Straight Connector 38">
+            <a:extLst>
+              <a:ext uri="{FF2B5EF4-FFF2-40B4-BE49-F238E27FC236}">
+                <a16:creationId xmlns:a16="http://schemas.microsoft.com/office/drawing/2014/main" id="{6315F889-DC5C-CC39-B86C-233BE118654E}"/>
+              </a:ext>
+            </a:extLst>
+          </p:cNvPr>
+          <p:cNvCxnSpPr>
+            <a:cxnSpLocks/>
+          </p:cNvCxnSpPr>
+          <p:nvPr/>
+        </p:nvCxnSpPr>
+        <p:spPr>
+          <a:xfrm flipH="1" flipV="1">
+            <a:off x="5223344" y="3523676"/>
+            <a:ext cx="107950" cy="96520"/>
+          </a:xfrm>
+          <a:prstGeom prst="line">
+            <a:avLst/>
+          </a:prstGeom>
+          <a:ln>
+            <a:solidFill>
+              <a:srgbClr val="FF0000"/>
+            </a:solidFill>
+          </a:ln>
+        </p:spPr>
+        <p:style>
+          <a:lnRef idx="1">
+            <a:schemeClr val="accent1"/>
+          </a:lnRef>
+          <a:fillRef idx="0">
+            <a:schemeClr val="accent1"/>
+          </a:fillRef>
+          <a:effectRef idx="0">
+            <a:schemeClr val="accent1"/>
+          </a:effectRef>
+          <a:fontRef idx="minor">
+            <a:schemeClr val="tx1"/>
+          </a:fontRef>
+        </p:style>
+      </p:cxnSp>
+      <p:cxnSp>
+        <p:nvCxnSpPr>
+          <p:cNvPr id="40" name="Straight Connector 39">
+            <a:extLst>
+              <a:ext uri="{FF2B5EF4-FFF2-40B4-BE49-F238E27FC236}">
+                <a16:creationId xmlns:a16="http://schemas.microsoft.com/office/drawing/2014/main" id="{991D8341-1CC3-45F3-D281-3EF3265EDE5C}"/>
+              </a:ext>
+            </a:extLst>
+          </p:cNvPr>
+          <p:cNvCxnSpPr/>
+          <p:nvPr/>
+        </p:nvCxnSpPr>
+        <p:spPr>
+          <a:xfrm flipV="1">
+            <a:off x="5389714" y="3523676"/>
+            <a:ext cx="99060" cy="96520"/>
+          </a:xfrm>
+          <a:prstGeom prst="line">
+            <a:avLst/>
+          </a:prstGeom>
+          <a:ln>
+            <a:solidFill>
+              <a:srgbClr val="FF0000"/>
+            </a:solidFill>
+          </a:ln>
+        </p:spPr>
+        <p:style>
+          <a:lnRef idx="1">
+            <a:schemeClr val="accent1"/>
+          </a:lnRef>
+          <a:fillRef idx="0">
+            <a:schemeClr val="accent1"/>
+          </a:fillRef>
+          <a:effectRef idx="0">
+            <a:schemeClr val="accent1"/>
+          </a:effectRef>
+          <a:fontRef idx="minor">
+            <a:schemeClr val="tx1"/>
+          </a:fontRef>
+        </p:style>
+      </p:cxnSp>
+      <p:cxnSp>
+        <p:nvCxnSpPr>
+          <p:cNvPr id="41" name="Straight Connector 40">
+            <a:extLst>
+              <a:ext uri="{FF2B5EF4-FFF2-40B4-BE49-F238E27FC236}">
+                <a16:creationId xmlns:a16="http://schemas.microsoft.com/office/drawing/2014/main" id="{B8D3AADF-DD26-E529-0837-E8D2254F476D}"/>
+              </a:ext>
+            </a:extLst>
+          </p:cNvPr>
+          <p:cNvCxnSpPr>
+            <a:cxnSpLocks/>
+          </p:cNvCxnSpPr>
+          <p:nvPr/>
+        </p:nvCxnSpPr>
+        <p:spPr>
+          <a:xfrm flipH="1" flipV="1">
+            <a:off x="5380824" y="3523676"/>
+            <a:ext cx="107950" cy="96520"/>
+          </a:xfrm>
+          <a:prstGeom prst="line">
+            <a:avLst/>
+          </a:prstGeom>
+          <a:ln>
+            <a:solidFill>
+              <a:srgbClr val="FF0000"/>
+            </a:solidFill>
+          </a:ln>
+        </p:spPr>
+        <p:style>
+          <a:lnRef idx="1">
+            <a:schemeClr val="accent1"/>
+          </a:lnRef>
+          <a:fillRef idx="0">
+            <a:schemeClr val="accent1"/>
+          </a:fillRef>
+          <a:effectRef idx="0">
+            <a:schemeClr val="accent1"/>
+          </a:effectRef>
+          <a:fontRef idx="minor">
+            <a:schemeClr val="tx1"/>
+          </a:fontRef>
+        </p:style>
+      </p:cxnSp>
+      <p:cxnSp>
+        <p:nvCxnSpPr>
+          <p:cNvPr id="42" name="Straight Connector 41">
+            <a:extLst>
+              <a:ext uri="{FF2B5EF4-FFF2-40B4-BE49-F238E27FC236}">
+                <a16:creationId xmlns:a16="http://schemas.microsoft.com/office/drawing/2014/main" id="{50A2AE8F-C053-3AB8-D9FA-DAA47F3516DB}"/>
+              </a:ext>
+            </a:extLst>
+          </p:cNvPr>
+          <p:cNvCxnSpPr/>
+          <p:nvPr/>
+        </p:nvCxnSpPr>
+        <p:spPr>
+          <a:xfrm flipV="1">
+            <a:off x="5542114" y="3523676"/>
+            <a:ext cx="99060" cy="96520"/>
+          </a:xfrm>
+          <a:prstGeom prst="line">
+            <a:avLst/>
+          </a:prstGeom>
+          <a:ln>
+            <a:solidFill>
+              <a:srgbClr val="FF0000"/>
+            </a:solidFill>
+          </a:ln>
+        </p:spPr>
+        <p:style>
+          <a:lnRef idx="1">
+            <a:schemeClr val="accent1"/>
+          </a:lnRef>
+          <a:fillRef idx="0">
+            <a:schemeClr val="accent1"/>
+          </a:fillRef>
+          <a:effectRef idx="0">
+            <a:schemeClr val="accent1"/>
+          </a:effectRef>
+          <a:fontRef idx="minor">
+            <a:schemeClr val="tx1"/>
+          </a:fontRef>
+        </p:style>
+      </p:cxnSp>
+      <p:cxnSp>
+        <p:nvCxnSpPr>
+          <p:cNvPr id="43" name="Straight Connector 42">
+            <a:extLst>
+              <a:ext uri="{FF2B5EF4-FFF2-40B4-BE49-F238E27FC236}">
+                <a16:creationId xmlns:a16="http://schemas.microsoft.com/office/drawing/2014/main" id="{DD3028A9-5C5B-A76A-2F45-0C9EB6DC9A03}"/>
+              </a:ext>
+            </a:extLst>
+          </p:cNvPr>
+          <p:cNvCxnSpPr>
+            <a:cxnSpLocks/>
+          </p:cNvCxnSpPr>
+          <p:nvPr/>
+        </p:nvCxnSpPr>
+        <p:spPr>
+          <a:xfrm flipH="1" flipV="1">
+            <a:off x="5533224" y="3523676"/>
+            <a:ext cx="107950" cy="96520"/>
+          </a:xfrm>
+          <a:prstGeom prst="line">
+            <a:avLst/>
+          </a:prstGeom>
+          <a:ln>
+            <a:solidFill>
+              <a:srgbClr val="FF0000"/>
+            </a:solidFill>
+          </a:ln>
+        </p:spPr>
+        <p:style>
+          <a:lnRef idx="1">
+            <a:schemeClr val="accent1"/>
+          </a:lnRef>
+          <a:fillRef idx="0">
+            <a:schemeClr val="accent1"/>
+          </a:fillRef>
+          <a:effectRef idx="0">
+            <a:schemeClr val="accent1"/>
+          </a:effectRef>
+          <a:fontRef idx="minor">
+            <a:schemeClr val="tx1"/>
+          </a:fontRef>
+        </p:style>
+      </p:cxnSp>
+      <p:cxnSp>
+        <p:nvCxnSpPr>
+          <p:cNvPr id="44" name="Straight Connector 43">
+            <a:extLst>
+              <a:ext uri="{FF2B5EF4-FFF2-40B4-BE49-F238E27FC236}">
+                <a16:creationId xmlns:a16="http://schemas.microsoft.com/office/drawing/2014/main" id="{40C0D14F-AE3A-0A5C-1325-1B2306341DD8}"/>
+              </a:ext>
+            </a:extLst>
+          </p:cNvPr>
+          <p:cNvCxnSpPr/>
+          <p:nvPr/>
+        </p:nvCxnSpPr>
+        <p:spPr>
+          <a:xfrm flipV="1">
+            <a:off x="5407494" y="3042224"/>
+            <a:ext cx="99060" cy="96520"/>
+          </a:xfrm>
+          <a:prstGeom prst="line">
+            <a:avLst/>
+          </a:prstGeom>
+          <a:ln>
+            <a:solidFill>
+              <a:srgbClr val="FF0000"/>
+            </a:solidFill>
+          </a:ln>
+        </p:spPr>
+        <p:style>
+          <a:lnRef idx="1">
+            <a:schemeClr val="accent1"/>
+          </a:lnRef>
+          <a:fillRef idx="0">
+            <a:schemeClr val="accent1"/>
+          </a:fillRef>
+          <a:effectRef idx="0">
+            <a:schemeClr val="accent1"/>
+          </a:effectRef>
+          <a:fontRef idx="minor">
+            <a:schemeClr val="tx1"/>
+          </a:fontRef>
+        </p:style>
+      </p:cxnSp>
+      <p:cxnSp>
+        <p:nvCxnSpPr>
+          <p:cNvPr id="45" name="Straight Connector 44">
+            <a:extLst>
+              <a:ext uri="{FF2B5EF4-FFF2-40B4-BE49-F238E27FC236}">
+                <a16:creationId xmlns:a16="http://schemas.microsoft.com/office/drawing/2014/main" id="{D83B7CAB-1761-8D59-585F-44DD138657E7}"/>
+              </a:ext>
+            </a:extLst>
+          </p:cNvPr>
+          <p:cNvCxnSpPr>
+            <a:cxnSpLocks/>
+          </p:cNvCxnSpPr>
+          <p:nvPr/>
+        </p:nvCxnSpPr>
+        <p:spPr>
+          <a:xfrm flipH="1" flipV="1">
+            <a:off x="5398604" y="3042224"/>
+            <a:ext cx="107950" cy="96520"/>
+          </a:xfrm>
+          <a:prstGeom prst="line">
+            <a:avLst/>
+          </a:prstGeom>
+          <a:ln>
+            <a:solidFill>
+              <a:srgbClr val="FF0000"/>
+            </a:solidFill>
+          </a:ln>
+        </p:spPr>
+        <p:style>
+          <a:lnRef idx="1">
+            <a:schemeClr val="accent1"/>
+          </a:lnRef>
+          <a:fillRef idx="0">
+            <a:schemeClr val="accent1"/>
+          </a:fillRef>
+          <a:effectRef idx="0">
+            <a:schemeClr val="accent1"/>
+          </a:effectRef>
+          <a:fontRef idx="minor">
+            <a:schemeClr val="tx1"/>
+          </a:fontRef>
+        </p:style>
+      </p:cxnSp>
+      <p:cxnSp>
+        <p:nvCxnSpPr>
+          <p:cNvPr id="46" name="Straight Connector 45">
+            <a:extLst>
+              <a:ext uri="{FF2B5EF4-FFF2-40B4-BE49-F238E27FC236}">
+                <a16:creationId xmlns:a16="http://schemas.microsoft.com/office/drawing/2014/main" id="{3D137CD6-7790-7061-6E15-2EE5A94865EC}"/>
+              </a:ext>
+            </a:extLst>
+          </p:cNvPr>
+          <p:cNvCxnSpPr/>
+          <p:nvPr/>
+        </p:nvCxnSpPr>
+        <p:spPr>
+          <a:xfrm flipV="1">
+            <a:off x="5398604" y="3199704"/>
+            <a:ext cx="99060" cy="96520"/>
+          </a:xfrm>
+          <a:prstGeom prst="line">
+            <a:avLst/>
+          </a:prstGeom>
+          <a:ln>
+            <a:solidFill>
+              <a:srgbClr val="FF0000"/>
+            </a:solidFill>
+          </a:ln>
+        </p:spPr>
+        <p:style>
+          <a:lnRef idx="1">
+            <a:schemeClr val="accent1"/>
+          </a:lnRef>
+          <a:fillRef idx="0">
+            <a:schemeClr val="accent1"/>
+          </a:fillRef>
+          <a:effectRef idx="0">
+            <a:schemeClr val="accent1"/>
+          </a:effectRef>
+          <a:fontRef idx="minor">
+            <a:schemeClr val="tx1"/>
+          </a:fontRef>
+        </p:style>
+      </p:cxnSp>
+      <p:cxnSp>
+        <p:nvCxnSpPr>
+          <p:cNvPr id="47" name="Straight Connector 46">
+            <a:extLst>
+              <a:ext uri="{FF2B5EF4-FFF2-40B4-BE49-F238E27FC236}">
+                <a16:creationId xmlns:a16="http://schemas.microsoft.com/office/drawing/2014/main" id="{3B611AC5-302C-9D1B-A9C0-CB47E9F228AA}"/>
+              </a:ext>
+            </a:extLst>
+          </p:cNvPr>
+          <p:cNvCxnSpPr>
+            <a:cxnSpLocks/>
+          </p:cNvCxnSpPr>
+          <p:nvPr/>
+        </p:nvCxnSpPr>
+        <p:spPr>
+          <a:xfrm flipH="1" flipV="1">
+            <a:off x="5389714" y="3199704"/>
+            <a:ext cx="107950" cy="96520"/>
+          </a:xfrm>
+          <a:prstGeom prst="line">
+            <a:avLst/>
+          </a:prstGeom>
+          <a:ln>
+            <a:solidFill>
+              <a:srgbClr val="FF0000"/>
+            </a:solidFill>
+          </a:ln>
+        </p:spPr>
+        <p:style>
+          <a:lnRef idx="1">
+            <a:schemeClr val="accent1"/>
+          </a:lnRef>
+          <a:fillRef idx="0">
+            <a:schemeClr val="accent1"/>
+          </a:fillRef>
+          <a:effectRef idx="0">
+            <a:schemeClr val="accent1"/>
+          </a:effectRef>
+          <a:fontRef idx="minor">
+            <a:schemeClr val="tx1"/>
+          </a:fontRef>
+        </p:style>
+      </p:cxnSp>
+      <p:cxnSp>
+        <p:nvCxnSpPr>
+          <p:cNvPr id="48" name="Straight Connector 47">
+            <a:extLst>
+              <a:ext uri="{FF2B5EF4-FFF2-40B4-BE49-F238E27FC236}">
+                <a16:creationId xmlns:a16="http://schemas.microsoft.com/office/drawing/2014/main" id="{7FA372B0-98BB-271A-321F-65CD84824619}"/>
+              </a:ext>
+            </a:extLst>
+          </p:cNvPr>
+          <p:cNvCxnSpPr/>
+          <p:nvPr/>
+        </p:nvCxnSpPr>
+        <p:spPr>
+          <a:xfrm flipV="1">
+            <a:off x="5398604" y="3370580"/>
+            <a:ext cx="99060" cy="96520"/>
+          </a:xfrm>
+          <a:prstGeom prst="line">
+            <a:avLst/>
+          </a:prstGeom>
+          <a:ln>
+            <a:solidFill>
+              <a:srgbClr val="FF0000"/>
+            </a:solidFill>
+          </a:ln>
+        </p:spPr>
+        <p:style>
+          <a:lnRef idx="1">
+            <a:schemeClr val="accent1"/>
+          </a:lnRef>
+          <a:fillRef idx="0">
+            <a:schemeClr val="accent1"/>
+          </a:fillRef>
+          <a:effectRef idx="0">
+            <a:schemeClr val="accent1"/>
+          </a:effectRef>
+          <a:fontRef idx="minor">
+            <a:schemeClr val="tx1"/>
+          </a:fontRef>
+        </p:style>
+      </p:cxnSp>
+      <p:cxnSp>
+        <p:nvCxnSpPr>
+          <p:cNvPr id="49" name="Straight Connector 48">
+            <a:extLst>
+              <a:ext uri="{FF2B5EF4-FFF2-40B4-BE49-F238E27FC236}">
+                <a16:creationId xmlns:a16="http://schemas.microsoft.com/office/drawing/2014/main" id="{8FBF38AF-DE25-BF3C-1575-65F635ED58D4}"/>
+              </a:ext>
+            </a:extLst>
+          </p:cNvPr>
+          <p:cNvCxnSpPr>
+            <a:cxnSpLocks/>
+          </p:cNvCxnSpPr>
+          <p:nvPr/>
+        </p:nvCxnSpPr>
+        <p:spPr>
+          <a:xfrm flipH="1" flipV="1">
+            <a:off x="5389714" y="3370580"/>
+            <a:ext cx="107950" cy="96520"/>
+          </a:xfrm>
+          <a:prstGeom prst="line">
+            <a:avLst/>
+          </a:prstGeom>
+          <a:ln>
+            <a:solidFill>
+              <a:srgbClr val="FF0000"/>
+            </a:solidFill>
+          </a:ln>
+        </p:spPr>
+        <p:style>
+          <a:lnRef idx="1">
+            <a:schemeClr val="accent1"/>
+          </a:lnRef>
+          <a:fillRef idx="0">
+            <a:schemeClr val="accent1"/>
+          </a:fillRef>
+          <a:effectRef idx="0">
+            <a:schemeClr val="accent1"/>
+          </a:effectRef>
+          <a:fontRef idx="minor">
+            <a:schemeClr val="tx1"/>
+          </a:fontRef>
+        </p:style>
+      </p:cxnSp>
+      <p:sp>
+        <p:nvSpPr>
+          <p:cNvPr id="50" name="TextBox 49">
+            <a:extLst>
+              <a:ext uri="{FF2B5EF4-FFF2-40B4-BE49-F238E27FC236}">
+                <a16:creationId xmlns:a16="http://schemas.microsoft.com/office/drawing/2014/main" id="{F71F2A9C-24E3-18D9-BA40-8C4E79EA3633}"/>
+              </a:ext>
+            </a:extLst>
+          </p:cNvPr>
+          <p:cNvSpPr txBox="1"/>
+          <p:nvPr/>
+        </p:nvSpPr>
+        <p:spPr>
+          <a:xfrm>
+            <a:off x="6152321" y="2911512"/>
+            <a:ext cx="3304801" cy="646331"/>
+          </a:xfrm>
+          <a:prstGeom prst="rect">
+            <a:avLst/>
+          </a:prstGeom>
+          <a:solidFill>
+            <a:schemeClr val="bg1"/>
+          </a:solidFill>
+        </p:spPr>
+        <p:txBody>
+          <a:bodyPr wrap="square" rtlCol="0">
+            <a:spAutoFit/>
+          </a:bodyPr>
+          <a:lstStyle/>
+          <a:p>
+            <a:r>
+              <a:rPr lang="en-US" dirty="0"/>
+              <a:t>6/10-6/14, 6/19, 6/24-6/28, 7/8, 7/12, 7/15-7/19, 7/22, 7/26</a:t>
+            </a:r>
+          </a:p>
+        </p:txBody>
+      </p:sp>
+    </p:spTree>
+    <p:extLst>
+      <p:ext uri="{BB962C8B-B14F-4D97-AF65-F5344CB8AC3E}">
+        <p14:creationId xmlns:p14="http://schemas.microsoft.com/office/powerpoint/2010/main" val="3596509377"/>
       </p:ext>
     </p:extLst>
   </p:cSld>
